--- a/Tạo thông báo mua hàng trên WooPress.pptx
+++ b/Tạo thông báo mua hàng trên WooPress.pptx
@@ -111,6 +111,11 @@
       </a:defRPr>
     </a:lvl9pPr>
   </p:defaultTextStyle>
+  <p:extLst>
+    <p:ext uri="{EFAFB233-063F-42B5-8137-9DF3F51BA10A}">
+      <p15:sldGuideLst xmlns:p15="http://schemas.microsoft.com/office/powerpoint/2012/main"/>
+    </p:ext>
+  </p:extLst>
 </p:presentation>
 </file>
 
@@ -3344,12 +3349,30 @@
             <p:ph type="ctrTitle"/>
           </p:nvPr>
         </p:nvSpPr>
-        <p:spPr/>
-        <p:txBody>
-          <a:bodyPr/>
-          <a:lstStyle/>
-          <a:p>
-            <a:endParaRPr lang="en-US"/>
+        <p:spPr>
+          <a:xfrm>
+            <a:off x="1524000" y="1655023"/>
+            <a:ext cx="9144000" cy="875113"/>
+          </a:xfrm>
+        </p:spPr>
+        <p:txBody>
+          <a:bodyPr>
+            <a:normAutofit fontScale="90000"/>
+          </a:bodyPr>
+          <a:lstStyle/>
+          <a:p>
+            <a:r>
+              <a:rPr lang="en-US"/>
+              <a:t>Link h</a:t>
+            </a:r>
+            <a:r>
+              <a:rPr lang="vi-VN"/>
+              <a:t>ư</a:t>
+            </a:r>
+            <a:r>
+              <a:rPr lang="en-US"/>
+              <a:t>ớng dẫn:</a:t>
+            </a:r>
           </a:p>
         </p:txBody>
       </p:sp>
@@ -3369,12 +3392,20 @@
             <p:ph type="subTitle" idx="1"/>
           </p:nvPr>
         </p:nvSpPr>
-        <p:spPr/>
-        <p:txBody>
-          <a:bodyPr/>
-          <a:lstStyle/>
-          <a:p>
-            <a:endParaRPr lang="en-US"/>
+        <p:spPr>
+          <a:xfrm>
+            <a:off x="2854171" y="2831900"/>
+            <a:ext cx="6483658" cy="597100"/>
+          </a:xfrm>
+        </p:spPr>
+        <p:txBody>
+          <a:bodyPr/>
+          <a:lstStyle/>
+          <a:p>
+            <a:r>
+              <a:rPr lang="en-US"/>
+              <a:t>https://www.youtube.com/watch?v=X6Zy08fh2Ic</a:t>
+            </a:r>
           </a:p>
         </p:txBody>
       </p:sp>
@@ -3424,7 +3455,12 @@
             <p:ph type="title"/>
           </p:nvPr>
         </p:nvSpPr>
-        <p:spPr/>
+        <p:spPr>
+          <a:xfrm>
+            <a:off x="0" y="0"/>
+            <a:ext cx="10515600" cy="1325563"/>
+          </a:xfrm>
+        </p:spPr>
         <p:txBody>
           <a:bodyPr/>
           <a:lstStyle/>
@@ -3433,31 +3469,36 @@
           </a:p>
         </p:txBody>
       </p:sp>
-      <p:sp>
-        <p:nvSpPr>
-          <p:cNvPr id="3" name="Content Placeholder 2">
-            <a:extLst>
-              <a:ext uri="{FF2B5EF4-FFF2-40B4-BE49-F238E27FC236}">
-                <a16:creationId xmlns:a16="http://schemas.microsoft.com/office/drawing/2014/main" id="{7B30E792-F166-488D-BB2D-078FD80165AE}"/>
-              </a:ext>
-            </a:extLst>
-          </p:cNvPr>
-          <p:cNvSpPr>
-            <a:spLocks noGrp="1"/>
-          </p:cNvSpPr>
-          <p:nvPr>
-            <p:ph idx="1"/>
-          </p:nvPr>
-        </p:nvSpPr>
-        <p:spPr/>
-        <p:txBody>
-          <a:bodyPr/>
-          <a:lstStyle/>
-          <a:p>
-            <a:endParaRPr lang="en-US"/>
-          </a:p>
-        </p:txBody>
-      </p:sp>
+      <p:pic>
+        <p:nvPicPr>
+          <p:cNvPr id="4" name="Picture 3">
+            <a:extLst>
+              <a:ext uri="{FF2B5EF4-FFF2-40B4-BE49-F238E27FC236}">
+                <a16:creationId xmlns:a16="http://schemas.microsoft.com/office/drawing/2014/main" id="{37CB88EC-0358-4F6E-8B77-DD4C9CCAB430}"/>
+              </a:ext>
+            </a:extLst>
+          </p:cNvPr>
+          <p:cNvPicPr>
+            <a:picLocks noChangeAspect="1"/>
+          </p:cNvPicPr>
+          <p:nvPr/>
+        </p:nvPicPr>
+        <p:blipFill>
+          <a:blip r:embed="rId2"/>
+          <a:stretch>
+            <a:fillRect/>
+          </a:stretch>
+        </p:blipFill>
+        <p:spPr>
+          <a:xfrm>
+            <a:off x="336591" y="1870013"/>
+            <a:ext cx="9583487" cy="3829584"/>
+          </a:xfrm>
+          <a:prstGeom prst="rect">
+            <a:avLst/>
+          </a:prstGeom>
+        </p:spPr>
+      </p:pic>
     </p:spTree>
     <p:extLst>
       <p:ext uri="{BB962C8B-B14F-4D97-AF65-F5344CB8AC3E}">
@@ -3504,40 +3545,53 @@
             <p:ph type="title"/>
           </p:nvPr>
         </p:nvSpPr>
-        <p:spPr/>
-        <p:txBody>
-          <a:bodyPr/>
-          <a:lstStyle/>
-          <a:p>
-            <a:endParaRPr lang="en-US"/>
-          </a:p>
-        </p:txBody>
-      </p:sp>
-      <p:sp>
-        <p:nvSpPr>
-          <p:cNvPr id="3" name="Content Placeholder 2">
-            <a:extLst>
-              <a:ext uri="{FF2B5EF4-FFF2-40B4-BE49-F238E27FC236}">
-                <a16:creationId xmlns:a16="http://schemas.microsoft.com/office/drawing/2014/main" id="{070E8DA0-0E94-4043-AE7D-CAFAE0B5D01F}"/>
-              </a:ext>
-            </a:extLst>
-          </p:cNvPr>
-          <p:cNvSpPr>
-            <a:spLocks noGrp="1"/>
-          </p:cNvSpPr>
-          <p:nvPr>
-            <p:ph idx="1"/>
-          </p:nvPr>
-        </p:nvSpPr>
-        <p:spPr/>
-        <p:txBody>
-          <a:bodyPr/>
-          <a:lstStyle/>
-          <a:p>
-            <a:endParaRPr lang="en-US"/>
-          </a:p>
-        </p:txBody>
-      </p:sp>
+        <p:spPr>
+          <a:xfrm>
+            <a:off x="168676" y="191613"/>
+            <a:ext cx="9974589" cy="926974"/>
+          </a:xfrm>
+        </p:spPr>
+        <p:txBody>
+          <a:bodyPr/>
+          <a:lstStyle/>
+          <a:p>
+            <a:r>
+              <a:rPr lang="en-US"/>
+              <a:t>Nhấn vào để cài đặt cho thông báo:</a:t>
+            </a:r>
+          </a:p>
+        </p:txBody>
+      </p:sp>
+      <p:pic>
+        <p:nvPicPr>
+          <p:cNvPr id="4" name="Picture 3">
+            <a:extLst>
+              <a:ext uri="{FF2B5EF4-FFF2-40B4-BE49-F238E27FC236}">
+                <a16:creationId xmlns:a16="http://schemas.microsoft.com/office/drawing/2014/main" id="{37555A61-51D9-4B5B-BDED-15EDD2A497BE}"/>
+              </a:ext>
+            </a:extLst>
+          </p:cNvPr>
+          <p:cNvPicPr>
+            <a:picLocks noChangeAspect="1"/>
+          </p:cNvPicPr>
+          <p:nvPr/>
+        </p:nvPicPr>
+        <p:blipFill>
+          <a:blip r:embed="rId2"/>
+          <a:stretch>
+            <a:fillRect/>
+          </a:stretch>
+        </p:blipFill>
+        <p:spPr>
+          <a:xfrm>
+            <a:off x="417251" y="1274750"/>
+            <a:ext cx="10795247" cy="5197071"/>
+          </a:xfrm>
+          <a:prstGeom prst="rect">
+            <a:avLst/>
+          </a:prstGeom>
+        </p:spPr>
+      </p:pic>
     </p:spTree>
     <p:extLst>
       <p:ext uri="{BB962C8B-B14F-4D97-AF65-F5344CB8AC3E}">
@@ -3568,53 +3622,265 @@
           <a:chExt cx="0" cy="0"/>
         </a:xfrm>
       </p:grpSpPr>
-      <p:sp>
-        <p:nvSpPr>
-          <p:cNvPr id="2" name="Title 1">
-            <a:extLst>
-              <a:ext uri="{FF2B5EF4-FFF2-40B4-BE49-F238E27FC236}">
-                <a16:creationId xmlns:a16="http://schemas.microsoft.com/office/drawing/2014/main" id="{E372F8EB-C6CE-4A11-8FC1-197B772CDAB0}"/>
-              </a:ext>
-            </a:extLst>
-          </p:cNvPr>
-          <p:cNvSpPr>
-            <a:spLocks noGrp="1"/>
-          </p:cNvSpPr>
-          <p:nvPr>
-            <p:ph type="title"/>
-          </p:nvPr>
-        </p:nvSpPr>
-        <p:spPr/>
-        <p:txBody>
-          <a:bodyPr/>
-          <a:lstStyle/>
-          <a:p>
-            <a:endParaRPr lang="en-US"/>
-          </a:p>
-        </p:txBody>
-      </p:sp>
-      <p:sp>
-        <p:nvSpPr>
-          <p:cNvPr id="3" name="Content Placeholder 2">
-            <a:extLst>
-              <a:ext uri="{FF2B5EF4-FFF2-40B4-BE49-F238E27FC236}">
-                <a16:creationId xmlns:a16="http://schemas.microsoft.com/office/drawing/2014/main" id="{25F0A430-EF68-40AF-8C5D-A9BEC9E76D77}"/>
-              </a:ext>
-            </a:extLst>
-          </p:cNvPr>
-          <p:cNvSpPr>
-            <a:spLocks noGrp="1"/>
-          </p:cNvSpPr>
-          <p:nvPr>
-            <p:ph idx="1"/>
-          </p:nvPr>
-        </p:nvSpPr>
-        <p:spPr/>
-        <p:txBody>
-          <a:bodyPr/>
-          <a:lstStyle/>
-          <a:p>
-            <a:endParaRPr lang="en-US"/>
+      <p:pic>
+        <p:nvPicPr>
+          <p:cNvPr id="4" name="Picture 3">
+            <a:extLst>
+              <a:ext uri="{FF2B5EF4-FFF2-40B4-BE49-F238E27FC236}">
+                <a16:creationId xmlns:a16="http://schemas.microsoft.com/office/drawing/2014/main" id="{823BA33C-D60A-4324-A742-20079BBB1FA7}"/>
+              </a:ext>
+            </a:extLst>
+          </p:cNvPr>
+          <p:cNvPicPr>
+            <a:picLocks noChangeAspect="1"/>
+          </p:cNvPicPr>
+          <p:nvPr/>
+        </p:nvPicPr>
+        <p:blipFill>
+          <a:blip r:embed="rId2"/>
+          <a:stretch>
+            <a:fillRect/>
+          </a:stretch>
+        </p:blipFill>
+        <p:spPr>
+          <a:xfrm>
+            <a:off x="288750" y="310717"/>
+            <a:ext cx="5382376" cy="6086721"/>
+          </a:xfrm>
+          <a:prstGeom prst="rect">
+            <a:avLst/>
+          </a:prstGeom>
+        </p:spPr>
+      </p:pic>
+      <p:cxnSp>
+        <p:nvCxnSpPr>
+          <p:cNvPr id="6" name="Straight Arrow Connector 5">
+            <a:extLst>
+              <a:ext uri="{FF2B5EF4-FFF2-40B4-BE49-F238E27FC236}">
+                <a16:creationId xmlns:a16="http://schemas.microsoft.com/office/drawing/2014/main" id="{6C64E3DB-95E9-4F7A-B7AE-FC808D13CD84}"/>
+              </a:ext>
+            </a:extLst>
+          </p:cNvPr>
+          <p:cNvCxnSpPr>
+            <a:cxnSpLocks/>
+          </p:cNvCxnSpPr>
+          <p:nvPr/>
+        </p:nvCxnSpPr>
+        <p:spPr>
+          <a:xfrm flipV="1">
+            <a:off x="4074850" y="639192"/>
+            <a:ext cx="2021150" cy="1020933"/>
+          </a:xfrm>
+          <a:prstGeom prst="straightConnector1">
+            <a:avLst/>
+          </a:prstGeom>
+          <a:ln>
+            <a:tailEnd type="triangle"/>
+          </a:ln>
+        </p:spPr>
+        <p:style>
+          <a:lnRef idx="1">
+            <a:schemeClr val="dk1"/>
+          </a:lnRef>
+          <a:fillRef idx="0">
+            <a:schemeClr val="dk1"/>
+          </a:fillRef>
+          <a:effectRef idx="0">
+            <a:schemeClr val="dk1"/>
+          </a:effectRef>
+          <a:fontRef idx="minor">
+            <a:schemeClr val="tx1"/>
+          </a:fontRef>
+        </p:style>
+      </p:cxnSp>
+      <p:sp>
+        <p:nvSpPr>
+          <p:cNvPr id="7" name="TextBox 6">
+            <a:extLst>
+              <a:ext uri="{FF2B5EF4-FFF2-40B4-BE49-F238E27FC236}">
+                <a16:creationId xmlns:a16="http://schemas.microsoft.com/office/drawing/2014/main" id="{FF27E2EC-0FF1-475D-9D90-65537FC0C307}"/>
+              </a:ext>
+            </a:extLst>
+          </p:cNvPr>
+          <p:cNvSpPr txBox="1"/>
+          <p:nvPr/>
+        </p:nvSpPr>
+        <p:spPr>
+          <a:xfrm>
+            <a:off x="6276513" y="221942"/>
+            <a:ext cx="5726097" cy="646331"/>
+          </a:xfrm>
+          <a:prstGeom prst="rect">
+            <a:avLst/>
+          </a:prstGeom>
+          <a:noFill/>
+        </p:spPr>
+        <p:txBody>
+          <a:bodyPr wrap="square" rtlCol="0">
+            <a:spAutoFit/>
+          </a:bodyPr>
+          <a:lstStyle/>
+          <a:p>
+            <a:r>
+              <a:rPr lang="en-US"/>
+              <a:t>Khi mua hàng trên trang Web thì mấy giây sau thông báo đ</a:t>
+            </a:r>
+            <a:r>
+              <a:rPr lang="vi-VN"/>
+              <a:t>ư</a:t>
+            </a:r>
+            <a:r>
+              <a:rPr lang="en-US"/>
+              <a:t>ợc hiện ra.</a:t>
+            </a:r>
+          </a:p>
+        </p:txBody>
+      </p:sp>
+      <p:cxnSp>
+        <p:nvCxnSpPr>
+          <p:cNvPr id="11" name="Straight Arrow Connector 10">
+            <a:extLst>
+              <a:ext uri="{FF2B5EF4-FFF2-40B4-BE49-F238E27FC236}">
+                <a16:creationId xmlns:a16="http://schemas.microsoft.com/office/drawing/2014/main" id="{CFDB9957-5918-4E4E-B6B1-F5E673B2BD24}"/>
+              </a:ext>
+            </a:extLst>
+          </p:cNvPr>
+          <p:cNvCxnSpPr/>
+          <p:nvPr/>
+        </p:nvCxnSpPr>
+        <p:spPr>
+          <a:xfrm flipV="1">
+            <a:off x="4145872" y="1509204"/>
+            <a:ext cx="2130641" cy="870012"/>
+          </a:xfrm>
+          <a:prstGeom prst="straightConnector1">
+            <a:avLst/>
+          </a:prstGeom>
+          <a:ln>
+            <a:tailEnd type="triangle"/>
+          </a:ln>
+        </p:spPr>
+        <p:style>
+          <a:lnRef idx="1">
+            <a:schemeClr val="dk1"/>
+          </a:lnRef>
+          <a:fillRef idx="0">
+            <a:schemeClr val="dk1"/>
+          </a:fillRef>
+          <a:effectRef idx="0">
+            <a:schemeClr val="dk1"/>
+          </a:effectRef>
+          <a:fontRef idx="minor">
+            <a:schemeClr val="tx1"/>
+          </a:fontRef>
+        </p:style>
+      </p:cxnSp>
+      <p:sp>
+        <p:nvSpPr>
+          <p:cNvPr id="12" name="TextBox 11">
+            <a:extLst>
+              <a:ext uri="{FF2B5EF4-FFF2-40B4-BE49-F238E27FC236}">
+                <a16:creationId xmlns:a16="http://schemas.microsoft.com/office/drawing/2014/main" id="{D0442B71-BCAA-4DFD-A7A5-EDDC70572004}"/>
+              </a:ext>
+            </a:extLst>
+          </p:cNvPr>
+          <p:cNvSpPr txBox="1"/>
+          <p:nvPr/>
+        </p:nvSpPr>
+        <p:spPr>
+          <a:xfrm>
+            <a:off x="6347535" y="1139872"/>
+            <a:ext cx="5555715" cy="369332"/>
+          </a:xfrm>
+          <a:prstGeom prst="rect">
+            <a:avLst/>
+          </a:prstGeom>
+          <a:noFill/>
+        </p:spPr>
+        <p:txBody>
+          <a:bodyPr wrap="square" rtlCol="0">
+            <a:spAutoFit/>
+          </a:bodyPr>
+          <a:lstStyle/>
+          <a:p>
+            <a:r>
+              <a:rPr lang="en-US"/>
+              <a:t>Thời gian thông báo ở lại trang bao lâu trong trang Web.</a:t>
+            </a:r>
+          </a:p>
+        </p:txBody>
+      </p:sp>
+      <p:cxnSp>
+        <p:nvCxnSpPr>
+          <p:cNvPr id="14" name="Straight Arrow Connector 13">
+            <a:extLst>
+              <a:ext uri="{FF2B5EF4-FFF2-40B4-BE49-F238E27FC236}">
+                <a16:creationId xmlns:a16="http://schemas.microsoft.com/office/drawing/2014/main" id="{9C566E4D-3C37-4BA5-8283-F6DC97CABAAE}"/>
+              </a:ext>
+            </a:extLst>
+          </p:cNvPr>
+          <p:cNvCxnSpPr/>
+          <p:nvPr/>
+        </p:nvCxnSpPr>
+        <p:spPr>
+          <a:xfrm>
+            <a:off x="5308847" y="3080551"/>
+            <a:ext cx="1269506" cy="0"/>
+          </a:xfrm>
+          <a:prstGeom prst="straightConnector1">
+            <a:avLst/>
+          </a:prstGeom>
+          <a:ln>
+            <a:tailEnd type="triangle"/>
+          </a:ln>
+        </p:spPr>
+        <p:style>
+          <a:lnRef idx="1">
+            <a:schemeClr val="dk1"/>
+          </a:lnRef>
+          <a:fillRef idx="0">
+            <a:schemeClr val="dk1"/>
+          </a:fillRef>
+          <a:effectRef idx="0">
+            <a:schemeClr val="dk1"/>
+          </a:effectRef>
+          <a:fontRef idx="minor">
+            <a:schemeClr val="tx1"/>
+          </a:fontRef>
+        </p:style>
+      </p:cxnSp>
+      <p:sp>
+        <p:nvSpPr>
+          <p:cNvPr id="15" name="TextBox 14">
+            <a:extLst>
+              <a:ext uri="{FF2B5EF4-FFF2-40B4-BE49-F238E27FC236}">
+                <a16:creationId xmlns:a16="http://schemas.microsoft.com/office/drawing/2014/main" id="{5E054682-7F3D-4475-A9C7-A626845A5735}"/>
+              </a:ext>
+            </a:extLst>
+          </p:cNvPr>
+          <p:cNvSpPr txBox="1"/>
+          <p:nvPr/>
+        </p:nvSpPr>
+        <p:spPr>
+          <a:xfrm>
+            <a:off x="6853561" y="2521258"/>
+            <a:ext cx="3586579" cy="369332"/>
+          </a:xfrm>
+          <a:prstGeom prst="rect">
+            <a:avLst/>
+          </a:prstGeom>
+          <a:noFill/>
+        </p:spPr>
+        <p:txBody>
+          <a:bodyPr wrap="square" rtlCol="0">
+            <a:spAutoFit/>
+          </a:bodyPr>
+          <a:lstStyle/>
+          <a:p>
+            <a:r>
+              <a:rPr lang="en-US"/>
+              <a:t>Thời gian khách hàng mua.</a:t>
+            </a:r>
           </a:p>
         </p:txBody>
       </p:sp>

--- a/Tạo thông báo mua hàng trên WooPress.pptx
+++ b/Tạo thông báo mua hàng trên WooPress.pptx
@@ -13,6 +13,17 @@
     <p:sldId id="261" r:id="rId7"/>
     <p:sldId id="262" r:id="rId8"/>
     <p:sldId id="263" r:id="rId9"/>
+    <p:sldId id="264" r:id="rId10"/>
+    <p:sldId id="265" r:id="rId11"/>
+    <p:sldId id="266" r:id="rId12"/>
+    <p:sldId id="267" r:id="rId13"/>
+    <p:sldId id="268" r:id="rId14"/>
+    <p:sldId id="269" r:id="rId15"/>
+    <p:sldId id="270" r:id="rId16"/>
+    <p:sldId id="271" r:id="rId17"/>
+    <p:sldId id="272" r:id="rId18"/>
+    <p:sldId id="273" r:id="rId19"/>
+    <p:sldId id="274" r:id="rId20"/>
   </p:sldIdLst>
   <p:sldSz cx="12192000" cy="6858000"/>
   <p:notesSz cx="6858000" cy="9144000"/>
@@ -266,7 +277,7 @@
           <a:p>
             <a:fld id="{7C87B616-911D-4460-8A5F-021C15E5043E}" type="datetimeFigureOut">
               <a:rPr lang="en-US" smtClean="0"/>
-              <a:t>10/10/2024</a:t>
+              <a:t>11/10/2024</a:t>
             </a:fld>
             <a:endParaRPr lang="en-US"/>
           </a:p>
@@ -464,7 +475,7 @@
           <a:p>
             <a:fld id="{7C87B616-911D-4460-8A5F-021C15E5043E}" type="datetimeFigureOut">
               <a:rPr lang="en-US" smtClean="0"/>
-              <a:t>10/10/2024</a:t>
+              <a:t>11/10/2024</a:t>
             </a:fld>
             <a:endParaRPr lang="en-US"/>
           </a:p>
@@ -672,7 +683,7 @@
           <a:p>
             <a:fld id="{7C87B616-911D-4460-8A5F-021C15E5043E}" type="datetimeFigureOut">
               <a:rPr lang="en-US" smtClean="0"/>
-              <a:t>10/10/2024</a:t>
+              <a:t>11/10/2024</a:t>
             </a:fld>
             <a:endParaRPr lang="en-US"/>
           </a:p>
@@ -870,7 +881,7 @@
           <a:p>
             <a:fld id="{7C87B616-911D-4460-8A5F-021C15E5043E}" type="datetimeFigureOut">
               <a:rPr lang="en-US" smtClean="0"/>
-              <a:t>10/10/2024</a:t>
+              <a:t>11/10/2024</a:t>
             </a:fld>
             <a:endParaRPr lang="en-US"/>
           </a:p>
@@ -1145,7 +1156,7 @@
           <a:p>
             <a:fld id="{7C87B616-911D-4460-8A5F-021C15E5043E}" type="datetimeFigureOut">
               <a:rPr lang="en-US" smtClean="0"/>
-              <a:t>10/10/2024</a:t>
+              <a:t>11/10/2024</a:t>
             </a:fld>
             <a:endParaRPr lang="en-US"/>
           </a:p>
@@ -1410,7 +1421,7 @@
           <a:p>
             <a:fld id="{7C87B616-911D-4460-8A5F-021C15E5043E}" type="datetimeFigureOut">
               <a:rPr lang="en-US" smtClean="0"/>
-              <a:t>10/10/2024</a:t>
+              <a:t>11/10/2024</a:t>
             </a:fld>
             <a:endParaRPr lang="en-US"/>
           </a:p>
@@ -1822,7 +1833,7 @@
           <a:p>
             <a:fld id="{7C87B616-911D-4460-8A5F-021C15E5043E}" type="datetimeFigureOut">
               <a:rPr lang="en-US" smtClean="0"/>
-              <a:t>10/10/2024</a:t>
+              <a:t>11/10/2024</a:t>
             </a:fld>
             <a:endParaRPr lang="en-US"/>
           </a:p>
@@ -1963,7 +1974,7 @@
           <a:p>
             <a:fld id="{7C87B616-911D-4460-8A5F-021C15E5043E}" type="datetimeFigureOut">
               <a:rPr lang="en-US" smtClean="0"/>
-              <a:t>10/10/2024</a:t>
+              <a:t>11/10/2024</a:t>
             </a:fld>
             <a:endParaRPr lang="en-US"/>
           </a:p>
@@ -2076,7 +2087,7 @@
           <a:p>
             <a:fld id="{7C87B616-911D-4460-8A5F-021C15E5043E}" type="datetimeFigureOut">
               <a:rPr lang="en-US" smtClean="0"/>
-              <a:t>10/10/2024</a:t>
+              <a:t>11/10/2024</a:t>
             </a:fld>
             <a:endParaRPr lang="en-US"/>
           </a:p>
@@ -2387,7 +2398,7 @@
           <a:p>
             <a:fld id="{7C87B616-911D-4460-8A5F-021C15E5043E}" type="datetimeFigureOut">
               <a:rPr lang="en-US" smtClean="0"/>
-              <a:t>10/10/2024</a:t>
+              <a:t>11/10/2024</a:t>
             </a:fld>
             <a:endParaRPr lang="en-US"/>
           </a:p>
@@ -2675,7 +2686,7 @@
           <a:p>
             <a:fld id="{7C87B616-911D-4460-8A5F-021C15E5043E}" type="datetimeFigureOut">
               <a:rPr lang="en-US" smtClean="0"/>
-              <a:t>10/10/2024</a:t>
+              <a:t>11/10/2024</a:t>
             </a:fld>
             <a:endParaRPr lang="en-US"/>
           </a:p>
@@ -2916,7 +2927,7 @@
           <a:p>
             <a:fld id="{7C87B616-911D-4460-8A5F-021C15E5043E}" type="datetimeFigureOut">
               <a:rPr lang="en-US" smtClean="0"/>
-              <a:t>10/10/2024</a:t>
+              <a:t>11/10/2024</a:t>
             </a:fld>
             <a:endParaRPr lang="en-US"/>
           </a:p>
@@ -3394,7 +3405,7 @@
         </p:nvSpPr>
         <p:spPr>
           <a:xfrm>
-            <a:off x="2854171" y="2831900"/>
+            <a:off x="2667740" y="3130450"/>
             <a:ext cx="6483658" cy="597100"/>
           </a:xfrm>
         </p:spPr>
@@ -3413,6 +3424,806 @@
     <p:extLst>
       <p:ext uri="{BB962C8B-B14F-4D97-AF65-F5344CB8AC3E}">
         <p14:creationId xmlns:p14="http://schemas.microsoft.com/office/powerpoint/2010/main" val="2465761925"/>
+      </p:ext>
+    </p:extLst>
+  </p:cSld>
+  <p:clrMapOvr>
+    <a:masterClrMapping/>
+  </p:clrMapOvr>
+</p:sld>
+</file>
+
+<file path=ppt/slides/slide10.xml><?xml version="1.0" encoding="utf-8"?>
+<p:sld xmlns:a="http://schemas.openxmlformats.org/drawingml/2006/main" xmlns:r="http://schemas.openxmlformats.org/officeDocument/2006/relationships" xmlns:p="http://schemas.openxmlformats.org/presentationml/2006/main">
+  <p:cSld>
+    <p:spTree>
+      <p:nvGrpSpPr>
+        <p:cNvPr id="1" name=""/>
+        <p:cNvGrpSpPr/>
+        <p:nvPr/>
+      </p:nvGrpSpPr>
+      <p:grpSpPr>
+        <a:xfrm>
+          <a:off x="0" y="0"/>
+          <a:ext cx="0" cy="0"/>
+          <a:chOff x="0" y="0"/>
+          <a:chExt cx="0" cy="0"/>
+        </a:xfrm>
+      </p:grpSpPr>
+      <p:sp>
+        <p:nvSpPr>
+          <p:cNvPr id="2" name="Title 1">
+            <a:extLst>
+              <a:ext uri="{FF2B5EF4-FFF2-40B4-BE49-F238E27FC236}">
+                <a16:creationId xmlns:a16="http://schemas.microsoft.com/office/drawing/2014/main" id="{0884E502-02FA-49E1-90D6-28C561A48C36}"/>
+              </a:ext>
+            </a:extLst>
+          </p:cNvPr>
+          <p:cNvSpPr>
+            <a:spLocks noGrp="1"/>
+          </p:cNvSpPr>
+          <p:nvPr>
+            <p:ph type="title"/>
+          </p:nvPr>
+        </p:nvSpPr>
+        <p:spPr/>
+        <p:txBody>
+          <a:bodyPr/>
+          <a:lstStyle/>
+          <a:p>
+            <a:endParaRPr lang="en-US"/>
+          </a:p>
+        </p:txBody>
+      </p:sp>
+      <p:sp>
+        <p:nvSpPr>
+          <p:cNvPr id="3" name="Content Placeholder 2">
+            <a:extLst>
+              <a:ext uri="{FF2B5EF4-FFF2-40B4-BE49-F238E27FC236}">
+                <a16:creationId xmlns:a16="http://schemas.microsoft.com/office/drawing/2014/main" id="{20ACD0D6-1982-4595-A81F-4E9113594CDB}"/>
+              </a:ext>
+            </a:extLst>
+          </p:cNvPr>
+          <p:cNvSpPr>
+            <a:spLocks noGrp="1"/>
+          </p:cNvSpPr>
+          <p:nvPr>
+            <p:ph idx="1"/>
+          </p:nvPr>
+        </p:nvSpPr>
+        <p:spPr/>
+        <p:txBody>
+          <a:bodyPr/>
+          <a:lstStyle/>
+          <a:p>
+            <a:endParaRPr lang="en-US"/>
+          </a:p>
+        </p:txBody>
+      </p:sp>
+    </p:spTree>
+    <p:extLst>
+      <p:ext uri="{BB962C8B-B14F-4D97-AF65-F5344CB8AC3E}">
+        <p14:creationId xmlns:p14="http://schemas.microsoft.com/office/powerpoint/2010/main" val="3277686268"/>
+      </p:ext>
+    </p:extLst>
+  </p:cSld>
+  <p:clrMapOvr>
+    <a:masterClrMapping/>
+  </p:clrMapOvr>
+</p:sld>
+</file>
+
+<file path=ppt/slides/slide11.xml><?xml version="1.0" encoding="utf-8"?>
+<p:sld xmlns:a="http://schemas.openxmlformats.org/drawingml/2006/main" xmlns:r="http://schemas.openxmlformats.org/officeDocument/2006/relationships" xmlns:p="http://schemas.openxmlformats.org/presentationml/2006/main">
+  <p:cSld>
+    <p:spTree>
+      <p:nvGrpSpPr>
+        <p:cNvPr id="1" name=""/>
+        <p:cNvGrpSpPr/>
+        <p:nvPr/>
+      </p:nvGrpSpPr>
+      <p:grpSpPr>
+        <a:xfrm>
+          <a:off x="0" y="0"/>
+          <a:ext cx="0" cy="0"/>
+          <a:chOff x="0" y="0"/>
+          <a:chExt cx="0" cy="0"/>
+        </a:xfrm>
+      </p:grpSpPr>
+      <p:sp>
+        <p:nvSpPr>
+          <p:cNvPr id="2" name="Title 1">
+            <a:extLst>
+              <a:ext uri="{FF2B5EF4-FFF2-40B4-BE49-F238E27FC236}">
+                <a16:creationId xmlns:a16="http://schemas.microsoft.com/office/drawing/2014/main" id="{320D7B24-0A83-4276-87DA-C435E900CCE2}"/>
+              </a:ext>
+            </a:extLst>
+          </p:cNvPr>
+          <p:cNvSpPr>
+            <a:spLocks noGrp="1"/>
+          </p:cNvSpPr>
+          <p:nvPr>
+            <p:ph type="title"/>
+          </p:nvPr>
+        </p:nvSpPr>
+        <p:spPr/>
+        <p:txBody>
+          <a:bodyPr/>
+          <a:lstStyle/>
+          <a:p>
+            <a:endParaRPr lang="en-US"/>
+          </a:p>
+        </p:txBody>
+      </p:sp>
+      <p:sp>
+        <p:nvSpPr>
+          <p:cNvPr id="3" name="Content Placeholder 2">
+            <a:extLst>
+              <a:ext uri="{FF2B5EF4-FFF2-40B4-BE49-F238E27FC236}">
+                <a16:creationId xmlns:a16="http://schemas.microsoft.com/office/drawing/2014/main" id="{B8464DDA-1283-4EF1-B14F-4162DEB0106D}"/>
+              </a:ext>
+            </a:extLst>
+          </p:cNvPr>
+          <p:cNvSpPr>
+            <a:spLocks noGrp="1"/>
+          </p:cNvSpPr>
+          <p:nvPr>
+            <p:ph idx="1"/>
+          </p:nvPr>
+        </p:nvSpPr>
+        <p:spPr/>
+        <p:txBody>
+          <a:bodyPr/>
+          <a:lstStyle/>
+          <a:p>
+            <a:endParaRPr lang="en-US"/>
+          </a:p>
+        </p:txBody>
+      </p:sp>
+    </p:spTree>
+    <p:extLst>
+      <p:ext uri="{BB962C8B-B14F-4D97-AF65-F5344CB8AC3E}">
+        <p14:creationId xmlns:p14="http://schemas.microsoft.com/office/powerpoint/2010/main" val="587514202"/>
+      </p:ext>
+    </p:extLst>
+  </p:cSld>
+  <p:clrMapOvr>
+    <a:masterClrMapping/>
+  </p:clrMapOvr>
+</p:sld>
+</file>
+
+<file path=ppt/slides/slide12.xml><?xml version="1.0" encoding="utf-8"?>
+<p:sld xmlns:a="http://schemas.openxmlformats.org/drawingml/2006/main" xmlns:r="http://schemas.openxmlformats.org/officeDocument/2006/relationships" xmlns:p="http://schemas.openxmlformats.org/presentationml/2006/main">
+  <p:cSld>
+    <p:spTree>
+      <p:nvGrpSpPr>
+        <p:cNvPr id="1" name=""/>
+        <p:cNvGrpSpPr/>
+        <p:nvPr/>
+      </p:nvGrpSpPr>
+      <p:grpSpPr>
+        <a:xfrm>
+          <a:off x="0" y="0"/>
+          <a:ext cx="0" cy="0"/>
+          <a:chOff x="0" y="0"/>
+          <a:chExt cx="0" cy="0"/>
+        </a:xfrm>
+      </p:grpSpPr>
+      <p:sp>
+        <p:nvSpPr>
+          <p:cNvPr id="2" name="Title 1">
+            <a:extLst>
+              <a:ext uri="{FF2B5EF4-FFF2-40B4-BE49-F238E27FC236}">
+                <a16:creationId xmlns:a16="http://schemas.microsoft.com/office/drawing/2014/main" id="{2772B741-2730-49A8-9792-AEC0AEB2E98A}"/>
+              </a:ext>
+            </a:extLst>
+          </p:cNvPr>
+          <p:cNvSpPr>
+            <a:spLocks noGrp="1"/>
+          </p:cNvSpPr>
+          <p:nvPr>
+            <p:ph type="title"/>
+          </p:nvPr>
+        </p:nvSpPr>
+        <p:spPr/>
+        <p:txBody>
+          <a:bodyPr/>
+          <a:lstStyle/>
+          <a:p>
+            <a:endParaRPr lang="en-US"/>
+          </a:p>
+        </p:txBody>
+      </p:sp>
+      <p:sp>
+        <p:nvSpPr>
+          <p:cNvPr id="3" name="Content Placeholder 2">
+            <a:extLst>
+              <a:ext uri="{FF2B5EF4-FFF2-40B4-BE49-F238E27FC236}">
+                <a16:creationId xmlns:a16="http://schemas.microsoft.com/office/drawing/2014/main" id="{0693564E-C4E4-4B54-B865-DC3EF2B476C2}"/>
+              </a:ext>
+            </a:extLst>
+          </p:cNvPr>
+          <p:cNvSpPr>
+            <a:spLocks noGrp="1"/>
+          </p:cNvSpPr>
+          <p:nvPr>
+            <p:ph idx="1"/>
+          </p:nvPr>
+        </p:nvSpPr>
+        <p:spPr/>
+        <p:txBody>
+          <a:bodyPr/>
+          <a:lstStyle/>
+          <a:p>
+            <a:endParaRPr lang="en-US"/>
+          </a:p>
+        </p:txBody>
+      </p:sp>
+    </p:spTree>
+    <p:extLst>
+      <p:ext uri="{BB962C8B-B14F-4D97-AF65-F5344CB8AC3E}">
+        <p14:creationId xmlns:p14="http://schemas.microsoft.com/office/powerpoint/2010/main" val="1738972937"/>
+      </p:ext>
+    </p:extLst>
+  </p:cSld>
+  <p:clrMapOvr>
+    <a:masterClrMapping/>
+  </p:clrMapOvr>
+</p:sld>
+</file>
+
+<file path=ppt/slides/slide13.xml><?xml version="1.0" encoding="utf-8"?>
+<p:sld xmlns:a="http://schemas.openxmlformats.org/drawingml/2006/main" xmlns:r="http://schemas.openxmlformats.org/officeDocument/2006/relationships" xmlns:p="http://schemas.openxmlformats.org/presentationml/2006/main">
+  <p:cSld>
+    <p:spTree>
+      <p:nvGrpSpPr>
+        <p:cNvPr id="1" name=""/>
+        <p:cNvGrpSpPr/>
+        <p:nvPr/>
+      </p:nvGrpSpPr>
+      <p:grpSpPr>
+        <a:xfrm>
+          <a:off x="0" y="0"/>
+          <a:ext cx="0" cy="0"/>
+          <a:chOff x="0" y="0"/>
+          <a:chExt cx="0" cy="0"/>
+        </a:xfrm>
+      </p:grpSpPr>
+      <p:sp>
+        <p:nvSpPr>
+          <p:cNvPr id="2" name="Title 1">
+            <a:extLst>
+              <a:ext uri="{FF2B5EF4-FFF2-40B4-BE49-F238E27FC236}">
+                <a16:creationId xmlns:a16="http://schemas.microsoft.com/office/drawing/2014/main" id="{1C06967A-4450-4B49-9D3D-C2A4B1977B2C}"/>
+              </a:ext>
+            </a:extLst>
+          </p:cNvPr>
+          <p:cNvSpPr>
+            <a:spLocks noGrp="1"/>
+          </p:cNvSpPr>
+          <p:nvPr>
+            <p:ph type="title"/>
+          </p:nvPr>
+        </p:nvSpPr>
+        <p:spPr/>
+        <p:txBody>
+          <a:bodyPr/>
+          <a:lstStyle/>
+          <a:p>
+            <a:endParaRPr lang="en-US"/>
+          </a:p>
+        </p:txBody>
+      </p:sp>
+      <p:sp>
+        <p:nvSpPr>
+          <p:cNvPr id="3" name="Content Placeholder 2">
+            <a:extLst>
+              <a:ext uri="{FF2B5EF4-FFF2-40B4-BE49-F238E27FC236}">
+                <a16:creationId xmlns:a16="http://schemas.microsoft.com/office/drawing/2014/main" id="{43C08EBA-F945-46B2-9487-D0DBC0FFD272}"/>
+              </a:ext>
+            </a:extLst>
+          </p:cNvPr>
+          <p:cNvSpPr>
+            <a:spLocks noGrp="1"/>
+          </p:cNvSpPr>
+          <p:nvPr>
+            <p:ph idx="1"/>
+          </p:nvPr>
+        </p:nvSpPr>
+        <p:spPr/>
+        <p:txBody>
+          <a:bodyPr/>
+          <a:lstStyle/>
+          <a:p>
+            <a:endParaRPr lang="en-US"/>
+          </a:p>
+        </p:txBody>
+      </p:sp>
+    </p:spTree>
+    <p:extLst>
+      <p:ext uri="{BB962C8B-B14F-4D97-AF65-F5344CB8AC3E}">
+        <p14:creationId xmlns:p14="http://schemas.microsoft.com/office/powerpoint/2010/main" val="118901691"/>
+      </p:ext>
+    </p:extLst>
+  </p:cSld>
+  <p:clrMapOvr>
+    <a:masterClrMapping/>
+  </p:clrMapOvr>
+</p:sld>
+</file>
+
+<file path=ppt/slides/slide14.xml><?xml version="1.0" encoding="utf-8"?>
+<p:sld xmlns:a="http://schemas.openxmlformats.org/drawingml/2006/main" xmlns:r="http://schemas.openxmlformats.org/officeDocument/2006/relationships" xmlns:p="http://schemas.openxmlformats.org/presentationml/2006/main">
+  <p:cSld>
+    <p:spTree>
+      <p:nvGrpSpPr>
+        <p:cNvPr id="1" name=""/>
+        <p:cNvGrpSpPr/>
+        <p:nvPr/>
+      </p:nvGrpSpPr>
+      <p:grpSpPr>
+        <a:xfrm>
+          <a:off x="0" y="0"/>
+          <a:ext cx="0" cy="0"/>
+          <a:chOff x="0" y="0"/>
+          <a:chExt cx="0" cy="0"/>
+        </a:xfrm>
+      </p:grpSpPr>
+      <p:sp>
+        <p:nvSpPr>
+          <p:cNvPr id="2" name="Title 1">
+            <a:extLst>
+              <a:ext uri="{FF2B5EF4-FFF2-40B4-BE49-F238E27FC236}">
+                <a16:creationId xmlns:a16="http://schemas.microsoft.com/office/drawing/2014/main" id="{F2325FE0-5928-4789-AAD9-B0ED8B7FC879}"/>
+              </a:ext>
+            </a:extLst>
+          </p:cNvPr>
+          <p:cNvSpPr>
+            <a:spLocks noGrp="1"/>
+          </p:cNvSpPr>
+          <p:nvPr>
+            <p:ph type="title"/>
+          </p:nvPr>
+        </p:nvSpPr>
+        <p:spPr/>
+        <p:txBody>
+          <a:bodyPr/>
+          <a:lstStyle/>
+          <a:p>
+            <a:endParaRPr lang="en-US"/>
+          </a:p>
+        </p:txBody>
+      </p:sp>
+      <p:sp>
+        <p:nvSpPr>
+          <p:cNvPr id="3" name="Content Placeholder 2">
+            <a:extLst>
+              <a:ext uri="{FF2B5EF4-FFF2-40B4-BE49-F238E27FC236}">
+                <a16:creationId xmlns:a16="http://schemas.microsoft.com/office/drawing/2014/main" id="{50D20086-A9F2-439A-9E7F-6356EAFCEB47}"/>
+              </a:ext>
+            </a:extLst>
+          </p:cNvPr>
+          <p:cNvSpPr>
+            <a:spLocks noGrp="1"/>
+          </p:cNvSpPr>
+          <p:nvPr>
+            <p:ph idx="1"/>
+          </p:nvPr>
+        </p:nvSpPr>
+        <p:spPr/>
+        <p:txBody>
+          <a:bodyPr/>
+          <a:lstStyle/>
+          <a:p>
+            <a:endParaRPr lang="en-US"/>
+          </a:p>
+        </p:txBody>
+      </p:sp>
+    </p:spTree>
+    <p:extLst>
+      <p:ext uri="{BB962C8B-B14F-4D97-AF65-F5344CB8AC3E}">
+        <p14:creationId xmlns:p14="http://schemas.microsoft.com/office/powerpoint/2010/main" val="1044931755"/>
+      </p:ext>
+    </p:extLst>
+  </p:cSld>
+  <p:clrMapOvr>
+    <a:masterClrMapping/>
+  </p:clrMapOvr>
+</p:sld>
+</file>
+
+<file path=ppt/slides/slide15.xml><?xml version="1.0" encoding="utf-8"?>
+<p:sld xmlns:a="http://schemas.openxmlformats.org/drawingml/2006/main" xmlns:r="http://schemas.openxmlformats.org/officeDocument/2006/relationships" xmlns:p="http://schemas.openxmlformats.org/presentationml/2006/main">
+  <p:cSld>
+    <p:spTree>
+      <p:nvGrpSpPr>
+        <p:cNvPr id="1" name=""/>
+        <p:cNvGrpSpPr/>
+        <p:nvPr/>
+      </p:nvGrpSpPr>
+      <p:grpSpPr>
+        <a:xfrm>
+          <a:off x="0" y="0"/>
+          <a:ext cx="0" cy="0"/>
+          <a:chOff x="0" y="0"/>
+          <a:chExt cx="0" cy="0"/>
+        </a:xfrm>
+      </p:grpSpPr>
+      <p:sp>
+        <p:nvSpPr>
+          <p:cNvPr id="2" name="Title 1">
+            <a:extLst>
+              <a:ext uri="{FF2B5EF4-FFF2-40B4-BE49-F238E27FC236}">
+                <a16:creationId xmlns:a16="http://schemas.microsoft.com/office/drawing/2014/main" id="{81B444C0-AC54-4A56-9D8B-D32012AB8CED}"/>
+              </a:ext>
+            </a:extLst>
+          </p:cNvPr>
+          <p:cNvSpPr>
+            <a:spLocks noGrp="1"/>
+          </p:cNvSpPr>
+          <p:nvPr>
+            <p:ph type="title"/>
+          </p:nvPr>
+        </p:nvSpPr>
+        <p:spPr/>
+        <p:txBody>
+          <a:bodyPr/>
+          <a:lstStyle/>
+          <a:p>
+            <a:endParaRPr lang="en-US"/>
+          </a:p>
+        </p:txBody>
+      </p:sp>
+      <p:sp>
+        <p:nvSpPr>
+          <p:cNvPr id="3" name="Content Placeholder 2">
+            <a:extLst>
+              <a:ext uri="{FF2B5EF4-FFF2-40B4-BE49-F238E27FC236}">
+                <a16:creationId xmlns:a16="http://schemas.microsoft.com/office/drawing/2014/main" id="{7F094F54-C579-4DB5-A296-A73B2344A71C}"/>
+              </a:ext>
+            </a:extLst>
+          </p:cNvPr>
+          <p:cNvSpPr>
+            <a:spLocks noGrp="1"/>
+          </p:cNvSpPr>
+          <p:nvPr>
+            <p:ph idx="1"/>
+          </p:nvPr>
+        </p:nvSpPr>
+        <p:spPr/>
+        <p:txBody>
+          <a:bodyPr/>
+          <a:lstStyle/>
+          <a:p>
+            <a:endParaRPr lang="en-US"/>
+          </a:p>
+        </p:txBody>
+      </p:sp>
+    </p:spTree>
+    <p:extLst>
+      <p:ext uri="{BB962C8B-B14F-4D97-AF65-F5344CB8AC3E}">
+        <p14:creationId xmlns:p14="http://schemas.microsoft.com/office/powerpoint/2010/main" val="1722660874"/>
+      </p:ext>
+    </p:extLst>
+  </p:cSld>
+  <p:clrMapOvr>
+    <a:masterClrMapping/>
+  </p:clrMapOvr>
+</p:sld>
+</file>
+
+<file path=ppt/slides/slide16.xml><?xml version="1.0" encoding="utf-8"?>
+<p:sld xmlns:a="http://schemas.openxmlformats.org/drawingml/2006/main" xmlns:r="http://schemas.openxmlformats.org/officeDocument/2006/relationships" xmlns:p="http://schemas.openxmlformats.org/presentationml/2006/main">
+  <p:cSld>
+    <p:spTree>
+      <p:nvGrpSpPr>
+        <p:cNvPr id="1" name=""/>
+        <p:cNvGrpSpPr/>
+        <p:nvPr/>
+      </p:nvGrpSpPr>
+      <p:grpSpPr>
+        <a:xfrm>
+          <a:off x="0" y="0"/>
+          <a:ext cx="0" cy="0"/>
+          <a:chOff x="0" y="0"/>
+          <a:chExt cx="0" cy="0"/>
+        </a:xfrm>
+      </p:grpSpPr>
+      <p:sp>
+        <p:nvSpPr>
+          <p:cNvPr id="2" name="Title 1">
+            <a:extLst>
+              <a:ext uri="{FF2B5EF4-FFF2-40B4-BE49-F238E27FC236}">
+                <a16:creationId xmlns:a16="http://schemas.microsoft.com/office/drawing/2014/main" id="{EA97AE2C-6173-49F0-9669-5536B32D088A}"/>
+              </a:ext>
+            </a:extLst>
+          </p:cNvPr>
+          <p:cNvSpPr>
+            <a:spLocks noGrp="1"/>
+          </p:cNvSpPr>
+          <p:nvPr>
+            <p:ph type="title"/>
+          </p:nvPr>
+        </p:nvSpPr>
+        <p:spPr/>
+        <p:txBody>
+          <a:bodyPr/>
+          <a:lstStyle/>
+          <a:p>
+            <a:endParaRPr lang="en-US"/>
+          </a:p>
+        </p:txBody>
+      </p:sp>
+      <p:sp>
+        <p:nvSpPr>
+          <p:cNvPr id="3" name="Content Placeholder 2">
+            <a:extLst>
+              <a:ext uri="{FF2B5EF4-FFF2-40B4-BE49-F238E27FC236}">
+                <a16:creationId xmlns:a16="http://schemas.microsoft.com/office/drawing/2014/main" id="{0B8DADA8-90B1-4342-9E96-FC8F213334D2}"/>
+              </a:ext>
+            </a:extLst>
+          </p:cNvPr>
+          <p:cNvSpPr>
+            <a:spLocks noGrp="1"/>
+          </p:cNvSpPr>
+          <p:nvPr>
+            <p:ph idx="1"/>
+          </p:nvPr>
+        </p:nvSpPr>
+        <p:spPr/>
+        <p:txBody>
+          <a:bodyPr/>
+          <a:lstStyle/>
+          <a:p>
+            <a:endParaRPr lang="en-US"/>
+          </a:p>
+        </p:txBody>
+      </p:sp>
+    </p:spTree>
+    <p:extLst>
+      <p:ext uri="{BB962C8B-B14F-4D97-AF65-F5344CB8AC3E}">
+        <p14:creationId xmlns:p14="http://schemas.microsoft.com/office/powerpoint/2010/main" val="4016477921"/>
+      </p:ext>
+    </p:extLst>
+  </p:cSld>
+  <p:clrMapOvr>
+    <a:masterClrMapping/>
+  </p:clrMapOvr>
+</p:sld>
+</file>
+
+<file path=ppt/slides/slide17.xml><?xml version="1.0" encoding="utf-8"?>
+<p:sld xmlns:a="http://schemas.openxmlformats.org/drawingml/2006/main" xmlns:r="http://schemas.openxmlformats.org/officeDocument/2006/relationships" xmlns:p="http://schemas.openxmlformats.org/presentationml/2006/main">
+  <p:cSld>
+    <p:spTree>
+      <p:nvGrpSpPr>
+        <p:cNvPr id="1" name=""/>
+        <p:cNvGrpSpPr/>
+        <p:nvPr/>
+      </p:nvGrpSpPr>
+      <p:grpSpPr>
+        <a:xfrm>
+          <a:off x="0" y="0"/>
+          <a:ext cx="0" cy="0"/>
+          <a:chOff x="0" y="0"/>
+          <a:chExt cx="0" cy="0"/>
+        </a:xfrm>
+      </p:grpSpPr>
+      <p:sp>
+        <p:nvSpPr>
+          <p:cNvPr id="2" name="Title 1">
+            <a:extLst>
+              <a:ext uri="{FF2B5EF4-FFF2-40B4-BE49-F238E27FC236}">
+                <a16:creationId xmlns:a16="http://schemas.microsoft.com/office/drawing/2014/main" id="{61B76EAD-6FC4-405B-82D0-F710C5C80962}"/>
+              </a:ext>
+            </a:extLst>
+          </p:cNvPr>
+          <p:cNvSpPr>
+            <a:spLocks noGrp="1"/>
+          </p:cNvSpPr>
+          <p:nvPr>
+            <p:ph type="title"/>
+          </p:nvPr>
+        </p:nvSpPr>
+        <p:spPr/>
+        <p:txBody>
+          <a:bodyPr/>
+          <a:lstStyle/>
+          <a:p>
+            <a:endParaRPr lang="en-US"/>
+          </a:p>
+        </p:txBody>
+      </p:sp>
+      <p:sp>
+        <p:nvSpPr>
+          <p:cNvPr id="3" name="Content Placeholder 2">
+            <a:extLst>
+              <a:ext uri="{FF2B5EF4-FFF2-40B4-BE49-F238E27FC236}">
+                <a16:creationId xmlns:a16="http://schemas.microsoft.com/office/drawing/2014/main" id="{AC53FA12-7CA5-4B06-961B-08BA9E2CDB50}"/>
+              </a:ext>
+            </a:extLst>
+          </p:cNvPr>
+          <p:cNvSpPr>
+            <a:spLocks noGrp="1"/>
+          </p:cNvSpPr>
+          <p:nvPr>
+            <p:ph idx="1"/>
+          </p:nvPr>
+        </p:nvSpPr>
+        <p:spPr/>
+        <p:txBody>
+          <a:bodyPr/>
+          <a:lstStyle/>
+          <a:p>
+            <a:endParaRPr lang="en-US"/>
+          </a:p>
+        </p:txBody>
+      </p:sp>
+    </p:spTree>
+    <p:extLst>
+      <p:ext uri="{BB962C8B-B14F-4D97-AF65-F5344CB8AC3E}">
+        <p14:creationId xmlns:p14="http://schemas.microsoft.com/office/powerpoint/2010/main" val="767273287"/>
+      </p:ext>
+    </p:extLst>
+  </p:cSld>
+  <p:clrMapOvr>
+    <a:masterClrMapping/>
+  </p:clrMapOvr>
+</p:sld>
+</file>
+
+<file path=ppt/slides/slide18.xml><?xml version="1.0" encoding="utf-8"?>
+<p:sld xmlns:a="http://schemas.openxmlformats.org/drawingml/2006/main" xmlns:r="http://schemas.openxmlformats.org/officeDocument/2006/relationships" xmlns:p="http://schemas.openxmlformats.org/presentationml/2006/main">
+  <p:cSld>
+    <p:spTree>
+      <p:nvGrpSpPr>
+        <p:cNvPr id="1" name=""/>
+        <p:cNvGrpSpPr/>
+        <p:nvPr/>
+      </p:nvGrpSpPr>
+      <p:grpSpPr>
+        <a:xfrm>
+          <a:off x="0" y="0"/>
+          <a:ext cx="0" cy="0"/>
+          <a:chOff x="0" y="0"/>
+          <a:chExt cx="0" cy="0"/>
+        </a:xfrm>
+      </p:grpSpPr>
+      <p:sp>
+        <p:nvSpPr>
+          <p:cNvPr id="2" name="Title 1">
+            <a:extLst>
+              <a:ext uri="{FF2B5EF4-FFF2-40B4-BE49-F238E27FC236}">
+                <a16:creationId xmlns:a16="http://schemas.microsoft.com/office/drawing/2014/main" id="{83DF99CA-2E71-46D5-B997-B29C543B7083}"/>
+              </a:ext>
+            </a:extLst>
+          </p:cNvPr>
+          <p:cNvSpPr>
+            <a:spLocks noGrp="1"/>
+          </p:cNvSpPr>
+          <p:nvPr>
+            <p:ph type="title"/>
+          </p:nvPr>
+        </p:nvSpPr>
+        <p:spPr/>
+        <p:txBody>
+          <a:bodyPr/>
+          <a:lstStyle/>
+          <a:p>
+            <a:endParaRPr lang="en-US"/>
+          </a:p>
+        </p:txBody>
+      </p:sp>
+      <p:sp>
+        <p:nvSpPr>
+          <p:cNvPr id="3" name="Content Placeholder 2">
+            <a:extLst>
+              <a:ext uri="{FF2B5EF4-FFF2-40B4-BE49-F238E27FC236}">
+                <a16:creationId xmlns:a16="http://schemas.microsoft.com/office/drawing/2014/main" id="{83B39F1A-4083-4880-A517-CEDA163E0D03}"/>
+              </a:ext>
+            </a:extLst>
+          </p:cNvPr>
+          <p:cNvSpPr>
+            <a:spLocks noGrp="1"/>
+          </p:cNvSpPr>
+          <p:nvPr>
+            <p:ph idx="1"/>
+          </p:nvPr>
+        </p:nvSpPr>
+        <p:spPr/>
+        <p:txBody>
+          <a:bodyPr/>
+          <a:lstStyle/>
+          <a:p>
+            <a:endParaRPr lang="en-US"/>
+          </a:p>
+        </p:txBody>
+      </p:sp>
+    </p:spTree>
+    <p:extLst>
+      <p:ext uri="{BB962C8B-B14F-4D97-AF65-F5344CB8AC3E}">
+        <p14:creationId xmlns:p14="http://schemas.microsoft.com/office/powerpoint/2010/main" val="464372064"/>
+      </p:ext>
+    </p:extLst>
+  </p:cSld>
+  <p:clrMapOvr>
+    <a:masterClrMapping/>
+  </p:clrMapOvr>
+</p:sld>
+</file>
+
+<file path=ppt/slides/slide19.xml><?xml version="1.0" encoding="utf-8"?>
+<p:sld xmlns:a="http://schemas.openxmlformats.org/drawingml/2006/main" xmlns:r="http://schemas.openxmlformats.org/officeDocument/2006/relationships" xmlns:p="http://schemas.openxmlformats.org/presentationml/2006/main">
+  <p:cSld>
+    <p:spTree>
+      <p:nvGrpSpPr>
+        <p:cNvPr id="1" name=""/>
+        <p:cNvGrpSpPr/>
+        <p:nvPr/>
+      </p:nvGrpSpPr>
+      <p:grpSpPr>
+        <a:xfrm>
+          <a:off x="0" y="0"/>
+          <a:ext cx="0" cy="0"/>
+          <a:chOff x="0" y="0"/>
+          <a:chExt cx="0" cy="0"/>
+        </a:xfrm>
+      </p:grpSpPr>
+      <p:sp>
+        <p:nvSpPr>
+          <p:cNvPr id="2" name="Title 1">
+            <a:extLst>
+              <a:ext uri="{FF2B5EF4-FFF2-40B4-BE49-F238E27FC236}">
+                <a16:creationId xmlns:a16="http://schemas.microsoft.com/office/drawing/2014/main" id="{6904FB5C-A441-476E-A343-FD31333F8108}"/>
+              </a:ext>
+            </a:extLst>
+          </p:cNvPr>
+          <p:cNvSpPr>
+            <a:spLocks noGrp="1"/>
+          </p:cNvSpPr>
+          <p:nvPr>
+            <p:ph type="title"/>
+          </p:nvPr>
+        </p:nvSpPr>
+        <p:spPr/>
+        <p:txBody>
+          <a:bodyPr/>
+          <a:lstStyle/>
+          <a:p>
+            <a:endParaRPr lang="en-US"/>
+          </a:p>
+        </p:txBody>
+      </p:sp>
+      <p:sp>
+        <p:nvSpPr>
+          <p:cNvPr id="3" name="Content Placeholder 2">
+            <a:extLst>
+              <a:ext uri="{FF2B5EF4-FFF2-40B4-BE49-F238E27FC236}">
+                <a16:creationId xmlns:a16="http://schemas.microsoft.com/office/drawing/2014/main" id="{7A15DE36-23DE-40EC-99D4-2A8AA08BC572}"/>
+              </a:ext>
+            </a:extLst>
+          </p:cNvPr>
+          <p:cNvSpPr>
+            <a:spLocks noGrp="1"/>
+          </p:cNvSpPr>
+          <p:nvPr>
+            <p:ph idx="1"/>
+          </p:nvPr>
+        </p:nvSpPr>
+        <p:spPr/>
+        <p:txBody>
+          <a:bodyPr/>
+          <a:lstStyle/>
+          <a:p>
+            <a:endParaRPr lang="en-US"/>
+          </a:p>
+        </p:txBody>
+      </p:sp>
+    </p:spTree>
+    <p:extLst>
+      <p:ext uri="{BB962C8B-B14F-4D97-AF65-F5344CB8AC3E}">
+        <p14:creationId xmlns:p14="http://schemas.microsoft.com/office/powerpoint/2010/main" val="392827126"/>
       </p:ext>
     </p:extLst>
   </p:cSld>
@@ -3457,8 +4268,8 @@
         </p:nvSpPr>
         <p:spPr>
           <a:xfrm>
-            <a:off x="0" y="0"/>
-            <a:ext cx="10515600" cy="1325563"/>
+            <a:off x="0" y="1"/>
+            <a:ext cx="10515600" cy="1074198"/>
           </a:xfrm>
         </p:spPr>
         <p:txBody>
@@ -3491,7 +4302,7 @@
         </p:blipFill>
         <p:spPr>
           <a:xfrm>
-            <a:off x="336591" y="1870013"/>
+            <a:off x="1304256" y="1674704"/>
             <a:ext cx="9583487" cy="3829584"/>
           </a:xfrm>
           <a:prstGeom prst="rect">
@@ -3668,8 +4479,8 @@
         </p:nvCxnSpPr>
         <p:spPr>
           <a:xfrm flipV="1">
-            <a:off x="4074850" y="639192"/>
-            <a:ext cx="2021150" cy="1020933"/>
+            <a:off x="4074850" y="541538"/>
+            <a:ext cx="2130641" cy="1118588"/>
           </a:xfrm>
           <a:prstGeom prst="straightConnector1">
             <a:avLst/>
@@ -3745,13 +4556,16 @@
               </a:ext>
             </a:extLst>
           </p:cNvPr>
-          <p:cNvCxnSpPr/>
+          <p:cNvCxnSpPr>
+            <a:cxnSpLocks/>
+            <a:endCxn id="12" idx="1"/>
+          </p:cNvCxnSpPr>
           <p:nvPr/>
         </p:nvCxnSpPr>
         <p:spPr>
           <a:xfrm flipV="1">
-            <a:off x="4145872" y="1509204"/>
-            <a:ext cx="2130641" cy="870012"/>
+            <a:off x="4199138" y="1548272"/>
+            <a:ext cx="2077375" cy="830944"/>
           </a:xfrm>
           <a:prstGeom prst="straightConnector1">
             <a:avLst/>
@@ -3789,8 +4603,8 @@
         </p:nvSpPr>
         <p:spPr>
           <a:xfrm>
-            <a:off x="6347535" y="1139872"/>
-            <a:ext cx="5555715" cy="369332"/>
+            <a:off x="6276513" y="1225106"/>
+            <a:ext cx="5626737" cy="646331"/>
           </a:xfrm>
           <a:prstGeom prst="rect">
             <a:avLst/>
@@ -3805,7 +4619,7 @@
           <a:p>
             <a:r>
               <a:rPr lang="en-US"/>
-              <a:t>Thời gian thông báo ở lại trang bao lâu trong trang Web.</a:t>
+              <a:t>Thời gian thông báo nằm lại trên  Web bao lâu trong trang Web.</a:t>
             </a:r>
           </a:p>
         </p:txBody>
@@ -3819,13 +4633,16 @@
               </a:ext>
             </a:extLst>
           </p:cNvPr>
-          <p:cNvCxnSpPr/>
+          <p:cNvCxnSpPr>
+            <a:cxnSpLocks/>
+            <a:endCxn id="15" idx="1"/>
+          </p:cNvCxnSpPr>
           <p:nvPr/>
         </p:nvCxnSpPr>
         <p:spPr>
-          <a:xfrm>
-            <a:off x="5308847" y="3080551"/>
-            <a:ext cx="1269506" cy="0"/>
+          <a:xfrm flipV="1">
+            <a:off x="5195236" y="2431468"/>
+            <a:ext cx="936726" cy="556790"/>
           </a:xfrm>
           <a:prstGeom prst="straightConnector1">
             <a:avLst/>
@@ -3863,8 +4680,8 @@
         </p:nvSpPr>
         <p:spPr>
           <a:xfrm>
-            <a:off x="6853561" y="2521258"/>
-            <a:ext cx="3586579" cy="369332"/>
+            <a:off x="6131962" y="2246802"/>
+            <a:ext cx="5870648" cy="369332"/>
           </a:xfrm>
           <a:prstGeom prst="rect">
             <a:avLst/>
@@ -3879,7 +4696,389 @@
           <a:p>
             <a:r>
               <a:rPr lang="en-US"/>
-              <a:t>Thời gian khách hàng mua.</a:t>
+              <a:t>Thời gian khách hàng mua hàng hiển thị trong thông báo</a:t>
+            </a:r>
+          </a:p>
+        </p:txBody>
+      </p:sp>
+      <p:cxnSp>
+        <p:nvCxnSpPr>
+          <p:cNvPr id="17" name="Straight Arrow Connector 16">
+            <a:extLst>
+              <a:ext uri="{FF2B5EF4-FFF2-40B4-BE49-F238E27FC236}">
+                <a16:creationId xmlns:a16="http://schemas.microsoft.com/office/drawing/2014/main" id="{2CEAE9D8-DEF0-4E82-AF15-1377E7B1CEDF}"/>
+              </a:ext>
+            </a:extLst>
+          </p:cNvPr>
+          <p:cNvCxnSpPr>
+            <a:cxnSpLocks/>
+          </p:cNvCxnSpPr>
+          <p:nvPr/>
+        </p:nvCxnSpPr>
+        <p:spPr>
+          <a:xfrm flipV="1">
+            <a:off x="4731798" y="3225175"/>
+            <a:ext cx="1473693" cy="444063"/>
+          </a:xfrm>
+          <a:prstGeom prst="straightConnector1">
+            <a:avLst/>
+          </a:prstGeom>
+          <a:ln>
+            <a:tailEnd type="triangle"/>
+          </a:ln>
+        </p:spPr>
+        <p:style>
+          <a:lnRef idx="1">
+            <a:schemeClr val="dk1"/>
+          </a:lnRef>
+          <a:fillRef idx="0">
+            <a:schemeClr val="dk1"/>
+          </a:fillRef>
+          <a:effectRef idx="0">
+            <a:schemeClr val="dk1"/>
+          </a:effectRef>
+          <a:fontRef idx="minor">
+            <a:schemeClr val="tx1"/>
+          </a:fontRef>
+        </p:style>
+      </p:cxnSp>
+      <p:sp>
+        <p:nvSpPr>
+          <p:cNvPr id="19" name="TextBox 18">
+            <a:extLst>
+              <a:ext uri="{FF2B5EF4-FFF2-40B4-BE49-F238E27FC236}">
+                <a16:creationId xmlns:a16="http://schemas.microsoft.com/office/drawing/2014/main" id="{F9697838-7FE2-428C-9DB5-10191AD0BFB6}"/>
+              </a:ext>
+            </a:extLst>
+          </p:cNvPr>
+          <p:cNvSpPr txBox="1"/>
+          <p:nvPr/>
+        </p:nvSpPr>
+        <p:spPr>
+          <a:xfrm>
+            <a:off x="6205491" y="3004303"/>
+            <a:ext cx="3355759" cy="369332"/>
+          </a:xfrm>
+          <a:prstGeom prst="rect">
+            <a:avLst/>
+          </a:prstGeom>
+          <a:noFill/>
+        </p:spPr>
+        <p:txBody>
+          <a:bodyPr wrap="square" rtlCol="0">
+            <a:spAutoFit/>
+          </a:bodyPr>
+          <a:lstStyle/>
+          <a:p>
+            <a:r>
+              <a:rPr lang="en-US"/>
+              <a:t>Vị trí thông báo</a:t>
+            </a:r>
+          </a:p>
+        </p:txBody>
+      </p:sp>
+      <p:cxnSp>
+        <p:nvCxnSpPr>
+          <p:cNvPr id="22" name="Straight Arrow Connector 21">
+            <a:extLst>
+              <a:ext uri="{FF2B5EF4-FFF2-40B4-BE49-F238E27FC236}">
+                <a16:creationId xmlns:a16="http://schemas.microsoft.com/office/drawing/2014/main" id="{18F6DEB3-E4BE-43AE-BAFB-EC0C304309A7}"/>
+              </a:ext>
+            </a:extLst>
+          </p:cNvPr>
+          <p:cNvCxnSpPr>
+            <a:cxnSpLocks/>
+          </p:cNvCxnSpPr>
+          <p:nvPr/>
+        </p:nvCxnSpPr>
+        <p:spPr>
+          <a:xfrm flipV="1">
+            <a:off x="4731798" y="3853905"/>
+            <a:ext cx="1544715" cy="444062"/>
+          </a:xfrm>
+          <a:prstGeom prst="straightConnector1">
+            <a:avLst/>
+          </a:prstGeom>
+          <a:ln>
+            <a:tailEnd type="triangle"/>
+          </a:ln>
+        </p:spPr>
+        <p:style>
+          <a:lnRef idx="1">
+            <a:schemeClr val="dk1"/>
+          </a:lnRef>
+          <a:fillRef idx="0">
+            <a:schemeClr val="dk1"/>
+          </a:fillRef>
+          <a:effectRef idx="0">
+            <a:schemeClr val="dk1"/>
+          </a:effectRef>
+          <a:fontRef idx="minor">
+            <a:schemeClr val="tx1"/>
+          </a:fontRef>
+        </p:style>
+      </p:cxnSp>
+      <p:sp>
+        <p:nvSpPr>
+          <p:cNvPr id="23" name="TextBox 22">
+            <a:extLst>
+              <a:ext uri="{FF2B5EF4-FFF2-40B4-BE49-F238E27FC236}">
+                <a16:creationId xmlns:a16="http://schemas.microsoft.com/office/drawing/2014/main" id="{5506BA2A-4A2C-4588-A41E-C47A6FA39DBA}"/>
+              </a:ext>
+            </a:extLst>
+          </p:cNvPr>
+          <p:cNvSpPr txBox="1"/>
+          <p:nvPr/>
+        </p:nvSpPr>
+        <p:spPr>
+          <a:xfrm>
+            <a:off x="6373940" y="3573094"/>
+            <a:ext cx="3604562" cy="369332"/>
+          </a:xfrm>
+          <a:prstGeom prst="rect">
+            <a:avLst/>
+          </a:prstGeom>
+          <a:noFill/>
+        </p:spPr>
+        <p:txBody>
+          <a:bodyPr wrap="square" rtlCol="0">
+            <a:spAutoFit/>
+          </a:bodyPr>
+          <a:lstStyle/>
+          <a:p>
+            <a:r>
+              <a:rPr lang="en-US"/>
+              <a:t>Hiệu ứng khi xuất hiện thông báo.</a:t>
+            </a:r>
+          </a:p>
+        </p:txBody>
+      </p:sp>
+      <p:cxnSp>
+        <p:nvCxnSpPr>
+          <p:cNvPr id="26" name="Straight Arrow Connector 25">
+            <a:extLst>
+              <a:ext uri="{FF2B5EF4-FFF2-40B4-BE49-F238E27FC236}">
+                <a16:creationId xmlns:a16="http://schemas.microsoft.com/office/drawing/2014/main" id="{A31B99C3-9686-4FE8-90C2-9A59629920A1}"/>
+              </a:ext>
+            </a:extLst>
+          </p:cNvPr>
+          <p:cNvCxnSpPr>
+            <a:cxnSpLocks/>
+            <a:endCxn id="28" idx="1"/>
+          </p:cNvCxnSpPr>
+          <p:nvPr/>
+        </p:nvCxnSpPr>
+        <p:spPr>
+          <a:xfrm flipV="1">
+            <a:off x="4731798" y="4431159"/>
+            <a:ext cx="1806491" cy="549424"/>
+          </a:xfrm>
+          <a:prstGeom prst="straightConnector1">
+            <a:avLst/>
+          </a:prstGeom>
+          <a:ln>
+            <a:tailEnd type="triangle"/>
+          </a:ln>
+        </p:spPr>
+        <p:style>
+          <a:lnRef idx="1">
+            <a:schemeClr val="dk1"/>
+          </a:lnRef>
+          <a:fillRef idx="0">
+            <a:schemeClr val="dk1"/>
+          </a:fillRef>
+          <a:effectRef idx="0">
+            <a:schemeClr val="dk1"/>
+          </a:effectRef>
+          <a:fontRef idx="minor">
+            <a:schemeClr val="tx1"/>
+          </a:fontRef>
+        </p:style>
+      </p:cxnSp>
+      <p:sp>
+        <p:nvSpPr>
+          <p:cNvPr id="28" name="TextBox 27">
+            <a:extLst>
+              <a:ext uri="{FF2B5EF4-FFF2-40B4-BE49-F238E27FC236}">
+                <a16:creationId xmlns:a16="http://schemas.microsoft.com/office/drawing/2014/main" id="{A68A807A-22E1-4C21-980C-E3BA5460F3CB}"/>
+              </a:ext>
+            </a:extLst>
+          </p:cNvPr>
+          <p:cNvSpPr txBox="1"/>
+          <p:nvPr/>
+        </p:nvSpPr>
+        <p:spPr>
+          <a:xfrm>
+            <a:off x="6538289" y="4246493"/>
+            <a:ext cx="4114801" cy="369332"/>
+          </a:xfrm>
+          <a:prstGeom prst="rect">
+            <a:avLst/>
+          </a:prstGeom>
+          <a:noFill/>
+        </p:spPr>
+        <p:txBody>
+          <a:bodyPr wrap="square" rtlCol="0">
+            <a:spAutoFit/>
+          </a:bodyPr>
+          <a:lstStyle/>
+          <a:p>
+            <a:r>
+              <a:rPr lang="en-US"/>
+              <a:t>Vị trí hình ảnh xuất hiện trong thông báo.</a:t>
+            </a:r>
+          </a:p>
+        </p:txBody>
+      </p:sp>
+      <p:pic>
+        <p:nvPicPr>
+          <p:cNvPr id="31" name="Picture 30">
+            <a:extLst>
+              <a:ext uri="{FF2B5EF4-FFF2-40B4-BE49-F238E27FC236}">
+                <a16:creationId xmlns:a16="http://schemas.microsoft.com/office/drawing/2014/main" id="{08A7AA71-AA57-4C1C-8CA7-891A041C20B9}"/>
+              </a:ext>
+            </a:extLst>
+          </p:cNvPr>
+          <p:cNvPicPr>
+            <a:picLocks noChangeAspect="1"/>
+          </p:cNvPicPr>
+          <p:nvPr/>
+        </p:nvPicPr>
+        <p:blipFill>
+          <a:blip r:embed="rId3"/>
+          <a:stretch>
+            <a:fillRect/>
+          </a:stretch>
+        </p:blipFill>
+        <p:spPr>
+          <a:xfrm>
+            <a:off x="9139561" y="4630934"/>
+            <a:ext cx="2633699" cy="663924"/>
+          </a:xfrm>
+          <a:prstGeom prst="rect">
+            <a:avLst/>
+          </a:prstGeom>
+        </p:spPr>
+      </p:pic>
+      <p:sp>
+        <p:nvSpPr>
+          <p:cNvPr id="32" name="Rectangle 31">
+            <a:extLst>
+              <a:ext uri="{FF2B5EF4-FFF2-40B4-BE49-F238E27FC236}">
+                <a16:creationId xmlns:a16="http://schemas.microsoft.com/office/drawing/2014/main" id="{8D851F00-8482-4403-A022-04B153FDFAC1}"/>
+              </a:ext>
+            </a:extLst>
+          </p:cNvPr>
+          <p:cNvSpPr/>
+          <p:nvPr/>
+        </p:nvSpPr>
+        <p:spPr>
+          <a:xfrm>
+            <a:off x="10573305" y="4651325"/>
+            <a:ext cx="994299" cy="643533"/>
+          </a:xfrm>
+          <a:prstGeom prst="rect">
+            <a:avLst/>
+          </a:prstGeom>
+          <a:noFill/>
+        </p:spPr>
+        <p:style>
+          <a:lnRef idx="2">
+            <a:schemeClr val="accent2">
+              <a:shade val="50000"/>
+            </a:schemeClr>
+          </a:lnRef>
+          <a:fillRef idx="1">
+            <a:schemeClr val="accent2"/>
+          </a:fillRef>
+          <a:effectRef idx="0">
+            <a:schemeClr val="accent2"/>
+          </a:effectRef>
+          <a:fontRef idx="minor">
+            <a:schemeClr val="lt1"/>
+          </a:fontRef>
+        </p:style>
+        <p:txBody>
+          <a:bodyPr rtlCol="0" anchor="ctr"/>
+          <a:lstStyle/>
+          <a:p>
+            <a:pPr algn="ctr"/>
+            <a:endParaRPr lang="en-US"/>
+          </a:p>
+        </p:txBody>
+      </p:sp>
+      <p:cxnSp>
+        <p:nvCxnSpPr>
+          <p:cNvPr id="43" name="Straight Arrow Connector 42">
+            <a:extLst>
+              <a:ext uri="{FF2B5EF4-FFF2-40B4-BE49-F238E27FC236}">
+                <a16:creationId xmlns:a16="http://schemas.microsoft.com/office/drawing/2014/main" id="{15BC3E4E-98D3-432B-BEFA-119828E864D1}"/>
+              </a:ext>
+            </a:extLst>
+          </p:cNvPr>
+          <p:cNvCxnSpPr>
+            <a:cxnSpLocks/>
+          </p:cNvCxnSpPr>
+          <p:nvPr/>
+        </p:nvCxnSpPr>
+        <p:spPr>
+          <a:xfrm>
+            <a:off x="4712337" y="5734478"/>
+            <a:ext cx="1661602" cy="463501"/>
+          </a:xfrm>
+          <a:prstGeom prst="straightConnector1">
+            <a:avLst/>
+          </a:prstGeom>
+          <a:ln>
+            <a:tailEnd type="triangle"/>
+          </a:ln>
+        </p:spPr>
+        <p:style>
+          <a:lnRef idx="1">
+            <a:schemeClr val="dk1"/>
+          </a:lnRef>
+          <a:fillRef idx="0">
+            <a:schemeClr val="dk1"/>
+          </a:fillRef>
+          <a:effectRef idx="0">
+            <a:schemeClr val="dk1"/>
+          </a:effectRef>
+          <a:fontRef idx="minor">
+            <a:schemeClr val="tx1"/>
+          </a:fontRef>
+        </p:style>
+      </p:cxnSp>
+      <p:sp>
+        <p:nvSpPr>
+          <p:cNvPr id="48" name="TextBox 47">
+            <a:extLst>
+              <a:ext uri="{FF2B5EF4-FFF2-40B4-BE49-F238E27FC236}">
+                <a16:creationId xmlns:a16="http://schemas.microsoft.com/office/drawing/2014/main" id="{7C24D1CA-24E1-4D19-BE85-F45A7DD6C4BF}"/>
+              </a:ext>
+            </a:extLst>
+          </p:cNvPr>
+          <p:cNvSpPr txBox="1"/>
+          <p:nvPr/>
+        </p:nvSpPr>
+        <p:spPr>
+          <a:xfrm>
+            <a:off x="6538289" y="5894773"/>
+            <a:ext cx="4878167" cy="646331"/>
+          </a:xfrm>
+          <a:prstGeom prst="rect">
+            <a:avLst/>
+          </a:prstGeom>
+          <a:noFill/>
+        </p:spPr>
+        <p:txBody>
+          <a:bodyPr wrap="square" rtlCol="0">
+            <a:spAutoFit/>
+          </a:bodyPr>
+          <a:lstStyle/>
+          <a:p>
+            <a:r>
+              <a:rPr lang="en-US"/>
+              <a:t>Định dạng hình ảnh, để trong khung tròn hay khung vuông.</a:t>
             </a:r>
           </a:p>
         </p:txBody>
@@ -3914,53 +5113,321 @@
           <a:chExt cx="0" cy="0"/>
         </a:xfrm>
       </p:grpSpPr>
-      <p:sp>
-        <p:nvSpPr>
-          <p:cNvPr id="2" name="Title 1">
-            <a:extLst>
-              <a:ext uri="{FF2B5EF4-FFF2-40B4-BE49-F238E27FC236}">
-                <a16:creationId xmlns:a16="http://schemas.microsoft.com/office/drawing/2014/main" id="{E767A077-B731-4627-A8AC-ED43C906E854}"/>
-              </a:ext>
-            </a:extLst>
-          </p:cNvPr>
-          <p:cNvSpPr>
-            <a:spLocks noGrp="1"/>
-          </p:cNvSpPr>
-          <p:nvPr>
-            <p:ph type="title"/>
-          </p:nvPr>
-        </p:nvSpPr>
-        <p:spPr/>
-        <p:txBody>
-          <a:bodyPr/>
-          <a:lstStyle/>
-          <a:p>
-            <a:endParaRPr lang="en-US"/>
-          </a:p>
-        </p:txBody>
-      </p:sp>
-      <p:sp>
-        <p:nvSpPr>
-          <p:cNvPr id="3" name="Content Placeholder 2">
-            <a:extLst>
-              <a:ext uri="{FF2B5EF4-FFF2-40B4-BE49-F238E27FC236}">
-                <a16:creationId xmlns:a16="http://schemas.microsoft.com/office/drawing/2014/main" id="{4734EB8F-31DF-40D2-B1FA-97479F7B5ED3}"/>
-              </a:ext>
-            </a:extLst>
-          </p:cNvPr>
-          <p:cNvSpPr>
-            <a:spLocks noGrp="1"/>
-          </p:cNvSpPr>
-          <p:nvPr>
-            <p:ph idx="1"/>
-          </p:nvPr>
-        </p:nvSpPr>
-        <p:spPr/>
-        <p:txBody>
-          <a:bodyPr/>
-          <a:lstStyle/>
-          <a:p>
-            <a:endParaRPr lang="en-US"/>
+      <p:pic>
+        <p:nvPicPr>
+          <p:cNvPr id="4" name="Picture 3">
+            <a:extLst>
+              <a:ext uri="{FF2B5EF4-FFF2-40B4-BE49-F238E27FC236}">
+                <a16:creationId xmlns:a16="http://schemas.microsoft.com/office/drawing/2014/main" id="{10597DEE-DE68-4020-A426-51AF4A19DEA4}"/>
+              </a:ext>
+            </a:extLst>
+          </p:cNvPr>
+          <p:cNvPicPr>
+            <a:picLocks noChangeAspect="1"/>
+          </p:cNvPicPr>
+          <p:nvPr/>
+        </p:nvPicPr>
+        <p:blipFill>
+          <a:blip r:embed="rId2"/>
+          <a:stretch>
+            <a:fillRect/>
+          </a:stretch>
+        </p:blipFill>
+        <p:spPr>
+          <a:xfrm>
+            <a:off x="284086" y="954095"/>
+            <a:ext cx="4421080" cy="2561462"/>
+          </a:xfrm>
+          <a:prstGeom prst="rect">
+            <a:avLst/>
+          </a:prstGeom>
+        </p:spPr>
+      </p:pic>
+      <p:sp>
+        <p:nvSpPr>
+          <p:cNvPr id="5" name="TextBox 4">
+            <a:extLst>
+              <a:ext uri="{FF2B5EF4-FFF2-40B4-BE49-F238E27FC236}">
+                <a16:creationId xmlns:a16="http://schemas.microsoft.com/office/drawing/2014/main" id="{EA089604-377A-46FF-A3E2-2D43AF08B144}"/>
+              </a:ext>
+            </a:extLst>
+          </p:cNvPr>
+          <p:cNvSpPr txBox="1"/>
+          <p:nvPr/>
+        </p:nvSpPr>
+        <p:spPr>
+          <a:xfrm>
+            <a:off x="284085" y="363984"/>
+            <a:ext cx="4500979" cy="369332"/>
+          </a:xfrm>
+          <a:prstGeom prst="rect">
+            <a:avLst/>
+          </a:prstGeom>
+          <a:noFill/>
+        </p:spPr>
+        <p:txBody>
+          <a:bodyPr wrap="square" rtlCol="0">
+            <a:spAutoFit/>
+          </a:bodyPr>
+          <a:lstStyle/>
+          <a:p>
+            <a:r>
+              <a:rPr lang="en-US"/>
+              <a:t>Màu sắc nền của thông báo: </a:t>
+            </a:r>
+          </a:p>
+        </p:txBody>
+      </p:sp>
+      <p:pic>
+        <p:nvPicPr>
+          <p:cNvPr id="6" name="Picture 5">
+            <a:extLst>
+              <a:ext uri="{FF2B5EF4-FFF2-40B4-BE49-F238E27FC236}">
+                <a16:creationId xmlns:a16="http://schemas.microsoft.com/office/drawing/2014/main" id="{EC5E6142-B5F9-4221-BECF-73049C87DEF7}"/>
+              </a:ext>
+            </a:extLst>
+          </p:cNvPr>
+          <p:cNvPicPr>
+            <a:picLocks noChangeAspect="1"/>
+          </p:cNvPicPr>
+          <p:nvPr/>
+        </p:nvPicPr>
+        <p:blipFill>
+          <a:blip r:embed="rId3"/>
+          <a:stretch>
+            <a:fillRect/>
+          </a:stretch>
+        </p:blipFill>
+        <p:spPr>
+          <a:xfrm>
+            <a:off x="284085" y="3970253"/>
+            <a:ext cx="3162741" cy="1095528"/>
+          </a:xfrm>
+          <a:prstGeom prst="rect">
+            <a:avLst/>
+          </a:prstGeom>
+        </p:spPr>
+      </p:pic>
+      <p:cxnSp>
+        <p:nvCxnSpPr>
+          <p:cNvPr id="8" name="Straight Arrow Connector 7">
+            <a:extLst>
+              <a:ext uri="{FF2B5EF4-FFF2-40B4-BE49-F238E27FC236}">
+                <a16:creationId xmlns:a16="http://schemas.microsoft.com/office/drawing/2014/main" id="{2EB336F4-E8EB-4852-B5C1-5B5296C39713}"/>
+              </a:ext>
+            </a:extLst>
+          </p:cNvPr>
+          <p:cNvCxnSpPr>
+            <a:cxnSpLocks/>
+          </p:cNvCxnSpPr>
+          <p:nvPr/>
+        </p:nvCxnSpPr>
+        <p:spPr>
+          <a:xfrm flipV="1">
+            <a:off x="1740023" y="4136994"/>
+            <a:ext cx="2556769" cy="150922"/>
+          </a:xfrm>
+          <a:prstGeom prst="straightConnector1">
+            <a:avLst/>
+          </a:prstGeom>
+          <a:ln>
+            <a:tailEnd type="triangle"/>
+          </a:ln>
+        </p:spPr>
+        <p:style>
+          <a:lnRef idx="1">
+            <a:schemeClr val="dk1"/>
+          </a:lnRef>
+          <a:fillRef idx="0">
+            <a:schemeClr val="dk1"/>
+          </a:fillRef>
+          <a:effectRef idx="0">
+            <a:schemeClr val="dk1"/>
+          </a:effectRef>
+          <a:fontRef idx="minor">
+            <a:schemeClr val="tx1"/>
+          </a:fontRef>
+        </p:style>
+      </p:cxnSp>
+      <p:sp>
+        <p:nvSpPr>
+          <p:cNvPr id="9" name="TextBox 8">
+            <a:extLst>
+              <a:ext uri="{FF2B5EF4-FFF2-40B4-BE49-F238E27FC236}">
+                <a16:creationId xmlns:a16="http://schemas.microsoft.com/office/drawing/2014/main" id="{6A478F98-5FD8-4FFE-92FC-61598A58F430}"/>
+              </a:ext>
+            </a:extLst>
+          </p:cNvPr>
+          <p:cNvSpPr txBox="1"/>
+          <p:nvPr/>
+        </p:nvSpPr>
+        <p:spPr>
+          <a:xfrm>
+            <a:off x="4478785" y="3918584"/>
+            <a:ext cx="3746377" cy="369332"/>
+          </a:xfrm>
+          <a:prstGeom prst="rect">
+            <a:avLst/>
+          </a:prstGeom>
+          <a:noFill/>
+        </p:spPr>
+        <p:txBody>
+          <a:bodyPr wrap="square" rtlCol="0">
+            <a:spAutoFit/>
+          </a:bodyPr>
+          <a:lstStyle/>
+          <a:p>
+            <a:r>
+              <a:rPr lang="en-US"/>
+              <a:t>Hiển thị bóng của thông báo.</a:t>
+            </a:r>
+          </a:p>
+        </p:txBody>
+      </p:sp>
+      <p:cxnSp>
+        <p:nvCxnSpPr>
+          <p:cNvPr id="12" name="Straight Arrow Connector 11">
+            <a:extLst>
+              <a:ext uri="{FF2B5EF4-FFF2-40B4-BE49-F238E27FC236}">
+                <a16:creationId xmlns:a16="http://schemas.microsoft.com/office/drawing/2014/main" id="{75E25525-18AA-4868-9EAA-C327117EF2B8}"/>
+              </a:ext>
+            </a:extLst>
+          </p:cNvPr>
+          <p:cNvCxnSpPr/>
+          <p:nvPr/>
+        </p:nvCxnSpPr>
+        <p:spPr>
+          <a:xfrm>
+            <a:off x="1899821" y="4829452"/>
+            <a:ext cx="2610035" cy="101229"/>
+          </a:xfrm>
+          <a:prstGeom prst="straightConnector1">
+            <a:avLst/>
+          </a:prstGeom>
+          <a:ln>
+            <a:tailEnd type="triangle"/>
+          </a:ln>
+        </p:spPr>
+        <p:style>
+          <a:lnRef idx="1">
+            <a:schemeClr val="dk1"/>
+          </a:lnRef>
+          <a:fillRef idx="0">
+            <a:schemeClr val="dk1"/>
+          </a:fillRef>
+          <a:effectRef idx="0">
+            <a:schemeClr val="dk1"/>
+          </a:effectRef>
+          <a:fontRef idx="minor">
+            <a:schemeClr val="tx1"/>
+          </a:fontRef>
+        </p:style>
+      </p:cxnSp>
+      <p:sp>
+        <p:nvSpPr>
+          <p:cNvPr id="13" name="TextBox 12">
+            <a:extLst>
+              <a:ext uri="{FF2B5EF4-FFF2-40B4-BE49-F238E27FC236}">
+                <a16:creationId xmlns:a16="http://schemas.microsoft.com/office/drawing/2014/main" id="{29BB45C2-600E-4A8D-84CA-13FBE1DB5558}"/>
+              </a:ext>
+            </a:extLst>
+          </p:cNvPr>
+          <p:cNvSpPr txBox="1"/>
+          <p:nvPr/>
+        </p:nvSpPr>
+        <p:spPr>
+          <a:xfrm>
+            <a:off x="4705166" y="4746015"/>
+            <a:ext cx="3293616" cy="369332"/>
+          </a:xfrm>
+          <a:prstGeom prst="rect">
+            <a:avLst/>
+          </a:prstGeom>
+          <a:noFill/>
+        </p:spPr>
+        <p:txBody>
+          <a:bodyPr wrap="square" rtlCol="0">
+            <a:spAutoFit/>
+          </a:bodyPr>
+          <a:lstStyle/>
+          <a:p>
+            <a:r>
+              <a:rPr lang="en-US"/>
+              <a:t>Phần viền của thông báo.</a:t>
+            </a:r>
+          </a:p>
+        </p:txBody>
+      </p:sp>
+      <p:pic>
+        <p:nvPicPr>
+          <p:cNvPr id="14" name="Picture 13">
+            <a:extLst>
+              <a:ext uri="{FF2B5EF4-FFF2-40B4-BE49-F238E27FC236}">
+                <a16:creationId xmlns:a16="http://schemas.microsoft.com/office/drawing/2014/main" id="{EE43256D-39EA-4AC0-99BB-E33B1777EFDF}"/>
+              </a:ext>
+            </a:extLst>
+          </p:cNvPr>
+          <p:cNvPicPr>
+            <a:picLocks noChangeAspect="1"/>
+          </p:cNvPicPr>
+          <p:nvPr/>
+        </p:nvPicPr>
+        <p:blipFill>
+          <a:blip r:embed="rId4"/>
+          <a:stretch>
+            <a:fillRect/>
+          </a:stretch>
+        </p:blipFill>
+        <p:spPr>
+          <a:xfrm>
+            <a:off x="8225162" y="548650"/>
+            <a:ext cx="2972215" cy="3610479"/>
+          </a:xfrm>
+          <a:prstGeom prst="rect">
+            <a:avLst/>
+          </a:prstGeom>
+        </p:spPr>
+      </p:pic>
+      <p:sp>
+        <p:nvSpPr>
+          <p:cNvPr id="15" name="TextBox 14">
+            <a:extLst>
+              <a:ext uri="{FF2B5EF4-FFF2-40B4-BE49-F238E27FC236}">
+                <a16:creationId xmlns:a16="http://schemas.microsoft.com/office/drawing/2014/main" id="{AA2F32CB-77E6-4E73-A167-0F964F538D78}"/>
+              </a:ext>
+            </a:extLst>
+          </p:cNvPr>
+          <p:cNvSpPr txBox="1"/>
+          <p:nvPr/>
+        </p:nvSpPr>
+        <p:spPr>
+          <a:xfrm>
+            <a:off x="8225161" y="4371514"/>
+            <a:ext cx="3564385" cy="369332"/>
+          </a:xfrm>
+          <a:prstGeom prst="rect">
+            <a:avLst/>
+          </a:prstGeom>
+          <a:noFill/>
+        </p:spPr>
+        <p:txBody>
+          <a:bodyPr wrap="square" rtlCol="0">
+            <a:spAutoFit/>
+          </a:bodyPr>
+          <a:lstStyle/>
+          <a:p>
+            <a:r>
+              <a:rPr lang="en-US"/>
+              <a:t>Màu sắc của đ</a:t>
+            </a:r>
+            <a:r>
+              <a:rPr lang="vi-VN"/>
+              <a:t>ư</a:t>
+            </a:r>
+            <a:r>
+              <a:rPr lang="en-US"/>
+              <a:t>ờng viền</a:t>
+            </a:r>
           </a:p>
         </p:txBody>
       </p:sp>
@@ -3994,53 +5461,215 @@
           <a:chExt cx="0" cy="0"/>
         </a:xfrm>
       </p:grpSpPr>
-      <p:sp>
-        <p:nvSpPr>
-          <p:cNvPr id="2" name="Title 1">
-            <a:extLst>
-              <a:ext uri="{FF2B5EF4-FFF2-40B4-BE49-F238E27FC236}">
-                <a16:creationId xmlns:a16="http://schemas.microsoft.com/office/drawing/2014/main" id="{33B96458-EE57-4AEF-A510-09D77C98302A}"/>
-              </a:ext>
-            </a:extLst>
-          </p:cNvPr>
-          <p:cNvSpPr>
-            <a:spLocks noGrp="1"/>
-          </p:cNvSpPr>
-          <p:nvPr>
-            <p:ph type="title"/>
-          </p:nvPr>
-        </p:nvSpPr>
-        <p:spPr/>
-        <p:txBody>
-          <a:bodyPr/>
-          <a:lstStyle/>
-          <a:p>
-            <a:endParaRPr lang="en-US"/>
-          </a:p>
-        </p:txBody>
-      </p:sp>
-      <p:sp>
-        <p:nvSpPr>
-          <p:cNvPr id="3" name="Content Placeholder 2">
-            <a:extLst>
-              <a:ext uri="{FF2B5EF4-FFF2-40B4-BE49-F238E27FC236}">
-                <a16:creationId xmlns:a16="http://schemas.microsoft.com/office/drawing/2014/main" id="{880C5710-8CF0-4C5F-9A7E-D7EF918840A3}"/>
-              </a:ext>
-            </a:extLst>
-          </p:cNvPr>
-          <p:cNvSpPr>
-            <a:spLocks noGrp="1"/>
-          </p:cNvSpPr>
-          <p:nvPr>
-            <p:ph idx="1"/>
-          </p:nvPr>
-        </p:nvSpPr>
-        <p:spPr/>
-        <p:txBody>
-          <a:bodyPr/>
-          <a:lstStyle/>
-          <a:p>
-            <a:endParaRPr lang="en-US"/>
+      <p:pic>
+        <p:nvPicPr>
+          <p:cNvPr id="5" name="Picture 4">
+            <a:extLst>
+              <a:ext uri="{FF2B5EF4-FFF2-40B4-BE49-F238E27FC236}">
+                <a16:creationId xmlns:a16="http://schemas.microsoft.com/office/drawing/2014/main" id="{81EC0A5F-4F31-4615-910B-011534A643CF}"/>
+              </a:ext>
+            </a:extLst>
+          </p:cNvPr>
+          <p:cNvPicPr>
+            <a:picLocks noChangeAspect="1"/>
+          </p:cNvPicPr>
+          <p:nvPr/>
+        </p:nvPicPr>
+        <p:blipFill>
+          <a:blip r:embed="rId2"/>
+          <a:stretch>
+            <a:fillRect/>
+          </a:stretch>
+        </p:blipFill>
+        <p:spPr>
+          <a:xfrm>
+            <a:off x="611329" y="467553"/>
+            <a:ext cx="3916283" cy="4326390"/>
+          </a:xfrm>
+          <a:prstGeom prst="rect">
+            <a:avLst/>
+          </a:prstGeom>
+        </p:spPr>
+      </p:pic>
+      <p:cxnSp>
+        <p:nvCxnSpPr>
+          <p:cNvPr id="7" name="Straight Arrow Connector 6">
+            <a:extLst>
+              <a:ext uri="{FF2B5EF4-FFF2-40B4-BE49-F238E27FC236}">
+                <a16:creationId xmlns:a16="http://schemas.microsoft.com/office/drawing/2014/main" id="{D979C7FA-63E7-4C94-9CB7-915CFE9C128A}"/>
+              </a:ext>
+            </a:extLst>
+          </p:cNvPr>
+          <p:cNvCxnSpPr>
+            <a:cxnSpLocks/>
+          </p:cNvCxnSpPr>
+          <p:nvPr/>
+        </p:nvCxnSpPr>
+        <p:spPr>
+          <a:xfrm flipV="1">
+            <a:off x="4101483" y="1152332"/>
+            <a:ext cx="2104008" cy="774123"/>
+          </a:xfrm>
+          <a:prstGeom prst="straightConnector1">
+            <a:avLst/>
+          </a:prstGeom>
+          <a:ln>
+            <a:tailEnd type="triangle"/>
+          </a:ln>
+        </p:spPr>
+        <p:style>
+          <a:lnRef idx="1">
+            <a:schemeClr val="dk1"/>
+          </a:lnRef>
+          <a:fillRef idx="0">
+            <a:schemeClr val="dk1"/>
+          </a:fillRef>
+          <a:effectRef idx="0">
+            <a:schemeClr val="dk1"/>
+          </a:effectRef>
+          <a:fontRef idx="minor">
+            <a:schemeClr val="tx1"/>
+          </a:fontRef>
+        </p:style>
+      </p:cxnSp>
+      <p:sp>
+        <p:nvSpPr>
+          <p:cNvPr id="9" name="TextBox 8">
+            <a:extLst>
+              <a:ext uri="{FF2B5EF4-FFF2-40B4-BE49-F238E27FC236}">
+                <a16:creationId xmlns:a16="http://schemas.microsoft.com/office/drawing/2014/main" id="{D0F56601-FED1-4F8B-986A-0A2594B0CA6D}"/>
+              </a:ext>
+            </a:extLst>
+          </p:cNvPr>
+          <p:cNvSpPr txBox="1"/>
+          <p:nvPr/>
+        </p:nvSpPr>
+        <p:spPr>
+          <a:xfrm>
+            <a:off x="6338656" y="967666"/>
+            <a:ext cx="5433134" cy="369332"/>
+          </a:xfrm>
+          <a:prstGeom prst="rect">
+            <a:avLst/>
+          </a:prstGeom>
+          <a:noFill/>
+        </p:spPr>
+        <p:txBody>
+          <a:bodyPr wrap="square" rtlCol="0">
+            <a:spAutoFit/>
+          </a:bodyPr>
+          <a:lstStyle/>
+          <a:p>
+            <a:r>
+              <a:rPr lang="en-US"/>
+              <a:t>Cài đặt về màu chữ cho thông báo.</a:t>
+            </a:r>
+          </a:p>
+        </p:txBody>
+      </p:sp>
+      <p:pic>
+        <p:nvPicPr>
+          <p:cNvPr id="10" name="Picture 9">
+            <a:extLst>
+              <a:ext uri="{FF2B5EF4-FFF2-40B4-BE49-F238E27FC236}">
+                <a16:creationId xmlns:a16="http://schemas.microsoft.com/office/drawing/2014/main" id="{EC2CBD64-7310-4AEA-BFE3-F543A0080E52}"/>
+              </a:ext>
+            </a:extLst>
+          </p:cNvPr>
+          <p:cNvPicPr>
+            <a:picLocks noChangeAspect="1"/>
+          </p:cNvPicPr>
+          <p:nvPr/>
+        </p:nvPicPr>
+        <p:blipFill>
+          <a:blip r:embed="rId3"/>
+          <a:stretch>
+            <a:fillRect/>
+          </a:stretch>
+        </p:blipFill>
+        <p:spPr>
+          <a:xfrm>
+            <a:off x="7485592" y="2540039"/>
+            <a:ext cx="2600688" cy="1076475"/>
+          </a:xfrm>
+          <a:prstGeom prst="rect">
+            <a:avLst/>
+          </a:prstGeom>
+        </p:spPr>
+      </p:pic>
+      <p:cxnSp>
+        <p:nvCxnSpPr>
+          <p:cNvPr id="13" name="Straight Arrow Connector 12">
+            <a:extLst>
+              <a:ext uri="{FF2B5EF4-FFF2-40B4-BE49-F238E27FC236}">
+                <a16:creationId xmlns:a16="http://schemas.microsoft.com/office/drawing/2014/main" id="{6B715A2E-566D-4ECD-B644-16AE3215D6FC}"/>
+              </a:ext>
+            </a:extLst>
+          </p:cNvPr>
+          <p:cNvCxnSpPr>
+            <a:cxnSpLocks/>
+          </p:cNvCxnSpPr>
+          <p:nvPr/>
+        </p:nvCxnSpPr>
+        <p:spPr>
+          <a:xfrm flipH="1">
+            <a:off x="8815527" y="3078276"/>
+            <a:ext cx="399494" cy="1715667"/>
+          </a:xfrm>
+          <a:prstGeom prst="straightConnector1">
+            <a:avLst/>
+          </a:prstGeom>
+          <a:ln>
+            <a:tailEnd type="triangle"/>
+          </a:ln>
+        </p:spPr>
+        <p:style>
+          <a:lnRef idx="1">
+            <a:schemeClr val="dk1"/>
+          </a:lnRef>
+          <a:fillRef idx="0">
+            <a:schemeClr val="dk1"/>
+          </a:fillRef>
+          <a:effectRef idx="0">
+            <a:schemeClr val="dk1"/>
+          </a:effectRef>
+          <a:fontRef idx="minor">
+            <a:schemeClr val="tx1"/>
+          </a:fontRef>
+        </p:style>
+      </p:cxnSp>
+      <p:sp>
+        <p:nvSpPr>
+          <p:cNvPr id="15" name="TextBox 14">
+            <a:extLst>
+              <a:ext uri="{FF2B5EF4-FFF2-40B4-BE49-F238E27FC236}">
+                <a16:creationId xmlns:a16="http://schemas.microsoft.com/office/drawing/2014/main" id="{BC37BE4C-A1C4-4E08-A236-33C190FAE68B}"/>
+              </a:ext>
+            </a:extLst>
+          </p:cNvPr>
+          <p:cNvSpPr txBox="1"/>
+          <p:nvPr/>
+        </p:nvSpPr>
+        <p:spPr>
+          <a:xfrm>
+            <a:off x="7337395" y="4819555"/>
+            <a:ext cx="2956264" cy="369332"/>
+          </a:xfrm>
+          <a:prstGeom prst="rect">
+            <a:avLst/>
+          </a:prstGeom>
+          <a:noFill/>
+        </p:spPr>
+        <p:txBody>
+          <a:bodyPr wrap="square" rtlCol="0">
+            <a:spAutoFit/>
+          </a:bodyPr>
+          <a:lstStyle/>
+          <a:p>
+            <a:r>
+              <a:rPr lang="en-US"/>
+              <a:t>Độ bo tròn của thông báo.</a:t>
+            </a:r>
           </a:p>
         </p:txBody>
       </p:sp>
@@ -4074,53 +5703,111 @@
           <a:chExt cx="0" cy="0"/>
         </a:xfrm>
       </p:grpSpPr>
-      <p:sp>
-        <p:nvSpPr>
-          <p:cNvPr id="2" name="Title 1">
-            <a:extLst>
-              <a:ext uri="{FF2B5EF4-FFF2-40B4-BE49-F238E27FC236}">
-                <a16:creationId xmlns:a16="http://schemas.microsoft.com/office/drawing/2014/main" id="{CD944625-F415-4D65-B799-730357DC68EB}"/>
-              </a:ext>
-            </a:extLst>
-          </p:cNvPr>
-          <p:cNvSpPr>
-            <a:spLocks noGrp="1"/>
-          </p:cNvSpPr>
-          <p:nvPr>
-            <p:ph type="title"/>
-          </p:nvPr>
-        </p:nvSpPr>
-        <p:spPr/>
-        <p:txBody>
-          <a:bodyPr/>
-          <a:lstStyle/>
-          <a:p>
-            <a:endParaRPr lang="en-US"/>
-          </a:p>
-        </p:txBody>
-      </p:sp>
-      <p:sp>
-        <p:nvSpPr>
-          <p:cNvPr id="3" name="Content Placeholder 2">
-            <a:extLst>
-              <a:ext uri="{FF2B5EF4-FFF2-40B4-BE49-F238E27FC236}">
-                <a16:creationId xmlns:a16="http://schemas.microsoft.com/office/drawing/2014/main" id="{82DA737D-8A66-4BBE-A2CB-8CC18DD397C7}"/>
-              </a:ext>
-            </a:extLst>
-          </p:cNvPr>
-          <p:cNvSpPr>
-            <a:spLocks noGrp="1"/>
-          </p:cNvSpPr>
-          <p:nvPr>
-            <p:ph idx="1"/>
-          </p:nvPr>
-        </p:nvSpPr>
-        <p:spPr/>
-        <p:txBody>
-          <a:bodyPr/>
-          <a:lstStyle/>
-          <a:p>
-            <a:endParaRPr lang="en-US"/>
+      <p:pic>
+        <p:nvPicPr>
+          <p:cNvPr id="4" name="Picture 3">
+            <a:extLst>
+              <a:ext uri="{FF2B5EF4-FFF2-40B4-BE49-F238E27FC236}">
+                <a16:creationId xmlns:a16="http://schemas.microsoft.com/office/drawing/2014/main" id="{77333F66-75B0-413C-99C5-6ADF4B9343BD}"/>
+              </a:ext>
+            </a:extLst>
+          </p:cNvPr>
+          <p:cNvPicPr>
+            <a:picLocks noChangeAspect="1"/>
+          </p:cNvPicPr>
+          <p:nvPr/>
+        </p:nvPicPr>
+        <p:blipFill>
+          <a:blip r:embed="rId2"/>
+          <a:stretch>
+            <a:fillRect/>
+          </a:stretch>
+        </p:blipFill>
+        <p:spPr>
+          <a:xfrm>
+            <a:off x="301842" y="1333269"/>
+            <a:ext cx="6832105" cy="4191462"/>
+          </a:xfrm>
+          <a:prstGeom prst="rect">
+            <a:avLst/>
+          </a:prstGeom>
+        </p:spPr>
+      </p:pic>
+      <p:sp>
+        <p:nvSpPr>
+          <p:cNvPr id="5" name="TextBox 4">
+            <a:extLst>
+              <a:ext uri="{FF2B5EF4-FFF2-40B4-BE49-F238E27FC236}">
+                <a16:creationId xmlns:a16="http://schemas.microsoft.com/office/drawing/2014/main" id="{350BD54D-E86D-4E99-A526-320D788950BB}"/>
+              </a:ext>
+            </a:extLst>
+          </p:cNvPr>
+          <p:cNvSpPr txBox="1"/>
+          <p:nvPr/>
+        </p:nvSpPr>
+        <p:spPr>
+          <a:xfrm>
+            <a:off x="239698" y="213064"/>
+            <a:ext cx="6436310" cy="369332"/>
+          </a:xfrm>
+          <a:prstGeom prst="rect">
+            <a:avLst/>
+          </a:prstGeom>
+          <a:noFill/>
+        </p:spPr>
+        <p:txBody>
+          <a:bodyPr wrap="square" rtlCol="0">
+            <a:spAutoFit/>
+          </a:bodyPr>
+          <a:lstStyle/>
+          <a:p>
+            <a:r>
+              <a:rPr lang="en-US"/>
+              <a:t>Cài đặt chế độ hiển thị.</a:t>
+            </a:r>
+          </a:p>
+        </p:txBody>
+      </p:sp>
+      <p:sp>
+        <p:nvSpPr>
+          <p:cNvPr id="6" name="TextBox 5">
+            <a:extLst>
+              <a:ext uri="{FF2B5EF4-FFF2-40B4-BE49-F238E27FC236}">
+                <a16:creationId xmlns:a16="http://schemas.microsoft.com/office/drawing/2014/main" id="{B2C2B8DB-296C-4245-9FD8-F0B85360D66E}"/>
+              </a:ext>
+            </a:extLst>
+          </p:cNvPr>
+          <p:cNvSpPr txBox="1"/>
+          <p:nvPr/>
+        </p:nvSpPr>
+        <p:spPr>
+          <a:xfrm>
+            <a:off x="4083728" y="213064"/>
+            <a:ext cx="6196614" cy="369332"/>
+          </a:xfrm>
+          <a:prstGeom prst="rect">
+            <a:avLst/>
+          </a:prstGeom>
+          <a:noFill/>
+        </p:spPr>
+        <p:txBody>
+          <a:bodyPr wrap="square" rtlCol="0">
+            <a:spAutoFit/>
+          </a:bodyPr>
+          <a:lstStyle/>
+          <a:p>
+            <a:r>
+              <a:rPr lang="en-US"/>
+              <a:t>Cài ảnh sản phẩm nh</a:t>
+            </a:r>
+            <a:r>
+              <a:rPr lang="vi-VN"/>
+              <a:t>ư</a:t>
+            </a:r>
+            <a:r>
+              <a:rPr lang="en-US"/>
+              <a:t> nào, nội dung text ra sao.</a:t>
+            </a:r>
           </a:p>
         </p:txBody>
       </p:sp>
@@ -4154,53 +5841,424 @@
           <a:chExt cx="0" cy="0"/>
         </a:xfrm>
       </p:grpSpPr>
-      <p:sp>
-        <p:nvSpPr>
-          <p:cNvPr id="2" name="Title 1">
-            <a:extLst>
-              <a:ext uri="{FF2B5EF4-FFF2-40B4-BE49-F238E27FC236}">
-                <a16:creationId xmlns:a16="http://schemas.microsoft.com/office/drawing/2014/main" id="{90F6F9A7-7E77-4831-9187-00D07050B90B}"/>
-              </a:ext>
-            </a:extLst>
-          </p:cNvPr>
-          <p:cNvSpPr>
-            <a:spLocks noGrp="1"/>
-          </p:cNvSpPr>
-          <p:nvPr>
-            <p:ph type="title"/>
-          </p:nvPr>
-        </p:nvSpPr>
-        <p:spPr/>
-        <p:txBody>
-          <a:bodyPr/>
-          <a:lstStyle/>
-          <a:p>
-            <a:endParaRPr lang="en-US"/>
-          </a:p>
-        </p:txBody>
-      </p:sp>
-      <p:sp>
-        <p:nvSpPr>
-          <p:cNvPr id="3" name="Content Placeholder 2">
-            <a:extLst>
-              <a:ext uri="{FF2B5EF4-FFF2-40B4-BE49-F238E27FC236}">
-                <a16:creationId xmlns:a16="http://schemas.microsoft.com/office/drawing/2014/main" id="{3418AC20-9543-408C-B6A4-A76565619B60}"/>
-              </a:ext>
-            </a:extLst>
-          </p:cNvPr>
-          <p:cNvSpPr>
-            <a:spLocks noGrp="1"/>
-          </p:cNvSpPr>
-          <p:nvPr>
-            <p:ph idx="1"/>
-          </p:nvPr>
-        </p:nvSpPr>
-        <p:spPr/>
-        <p:txBody>
-          <a:bodyPr/>
-          <a:lstStyle/>
-          <a:p>
-            <a:endParaRPr lang="en-US"/>
+      <p:pic>
+        <p:nvPicPr>
+          <p:cNvPr id="4" name="Picture 3">
+            <a:extLst>
+              <a:ext uri="{FF2B5EF4-FFF2-40B4-BE49-F238E27FC236}">
+                <a16:creationId xmlns:a16="http://schemas.microsoft.com/office/drawing/2014/main" id="{A0169E3C-E3E7-4AC8-812C-4A0F7BF7389C}"/>
+              </a:ext>
+            </a:extLst>
+          </p:cNvPr>
+          <p:cNvPicPr>
+            <a:picLocks noChangeAspect="1"/>
+          </p:cNvPicPr>
+          <p:nvPr/>
+        </p:nvPicPr>
+        <p:blipFill>
+          <a:blip r:embed="rId2"/>
+          <a:stretch>
+            <a:fillRect/>
+          </a:stretch>
+        </p:blipFill>
+        <p:spPr>
+          <a:xfrm>
+            <a:off x="509727" y="314274"/>
+            <a:ext cx="4077269" cy="680026"/>
+          </a:xfrm>
+          <a:prstGeom prst="rect">
+            <a:avLst/>
+          </a:prstGeom>
+        </p:spPr>
+      </p:pic>
+      <p:sp>
+        <p:nvSpPr>
+          <p:cNvPr id="5" name="TextBox 4">
+            <a:extLst>
+              <a:ext uri="{FF2B5EF4-FFF2-40B4-BE49-F238E27FC236}">
+                <a16:creationId xmlns:a16="http://schemas.microsoft.com/office/drawing/2014/main" id="{B7994095-EBC2-4AE4-B728-A244004338F4}"/>
+              </a:ext>
+            </a:extLst>
+          </p:cNvPr>
+          <p:cNvSpPr txBox="1"/>
+          <p:nvPr/>
+        </p:nvSpPr>
+        <p:spPr>
+          <a:xfrm>
+            <a:off x="5495278" y="496370"/>
+            <a:ext cx="2290439" cy="369332"/>
+          </a:xfrm>
+          <a:prstGeom prst="rect">
+            <a:avLst/>
+          </a:prstGeom>
+          <a:noFill/>
+        </p:spPr>
+        <p:txBody>
+          <a:bodyPr wrap="square" rtlCol="0">
+            <a:spAutoFit/>
+          </a:bodyPr>
+          <a:lstStyle/>
+          <a:p>
+            <a:r>
+              <a:rPr lang="en-US"/>
+              <a:t>Điền tên người mua.</a:t>
+            </a:r>
+          </a:p>
+        </p:txBody>
+      </p:sp>
+      <p:pic>
+        <p:nvPicPr>
+          <p:cNvPr id="6" name="Picture 5">
+            <a:extLst>
+              <a:ext uri="{FF2B5EF4-FFF2-40B4-BE49-F238E27FC236}">
+                <a16:creationId xmlns:a16="http://schemas.microsoft.com/office/drawing/2014/main" id="{AC8A412C-B777-4D68-9568-8C00F6776B49}"/>
+              </a:ext>
+            </a:extLst>
+          </p:cNvPr>
+          <p:cNvPicPr>
+            <a:picLocks noChangeAspect="1"/>
+          </p:cNvPicPr>
+          <p:nvPr/>
+        </p:nvPicPr>
+        <p:blipFill>
+          <a:blip r:embed="rId3"/>
+          <a:stretch>
+            <a:fillRect/>
+          </a:stretch>
+        </p:blipFill>
+        <p:spPr>
+          <a:xfrm>
+            <a:off x="509727" y="1690535"/>
+            <a:ext cx="3724795" cy="804090"/>
+          </a:xfrm>
+          <a:prstGeom prst="rect">
+            <a:avLst/>
+          </a:prstGeom>
+        </p:spPr>
+      </p:pic>
+      <p:sp>
+        <p:nvSpPr>
+          <p:cNvPr id="7" name="TextBox 6">
+            <a:extLst>
+              <a:ext uri="{FF2B5EF4-FFF2-40B4-BE49-F238E27FC236}">
+                <a16:creationId xmlns:a16="http://schemas.microsoft.com/office/drawing/2014/main" id="{6B26D463-5CA9-4870-B791-FD16D1463129}"/>
+              </a:ext>
+            </a:extLst>
+          </p:cNvPr>
+          <p:cNvSpPr txBox="1"/>
+          <p:nvPr/>
+        </p:nvSpPr>
+        <p:spPr>
+          <a:xfrm>
+            <a:off x="5495278" y="1651247"/>
+            <a:ext cx="4216893" cy="646331"/>
+          </a:xfrm>
+          <a:prstGeom prst="rect">
+            <a:avLst/>
+          </a:prstGeom>
+          <a:noFill/>
+        </p:spPr>
+        <p:txBody>
+          <a:bodyPr wrap="square" rtlCol="0">
+            <a:spAutoFit/>
+          </a:bodyPr>
+          <a:lstStyle/>
+          <a:p>
+            <a:r>
+              <a:rPr lang="en-US"/>
+              <a:t>Thay đổi định dạng thời gian thành giờ phút giây</a:t>
+            </a:r>
+          </a:p>
+        </p:txBody>
+      </p:sp>
+      <p:pic>
+        <p:nvPicPr>
+          <p:cNvPr id="8" name="Picture 7">
+            <a:extLst>
+              <a:ext uri="{FF2B5EF4-FFF2-40B4-BE49-F238E27FC236}">
+                <a16:creationId xmlns:a16="http://schemas.microsoft.com/office/drawing/2014/main" id="{007862D3-4089-4976-902B-D4F553E19FF1}"/>
+              </a:ext>
+            </a:extLst>
+          </p:cNvPr>
+          <p:cNvPicPr>
+            <a:picLocks noChangeAspect="1"/>
+          </p:cNvPicPr>
+          <p:nvPr/>
+        </p:nvPicPr>
+        <p:blipFill>
+          <a:blip r:embed="rId4"/>
+          <a:stretch>
+            <a:fillRect/>
+          </a:stretch>
+        </p:blipFill>
+        <p:spPr>
+          <a:xfrm>
+            <a:off x="701327" y="3094621"/>
+            <a:ext cx="2485756" cy="668757"/>
+          </a:xfrm>
+          <a:prstGeom prst="rect">
+            <a:avLst/>
+          </a:prstGeom>
+        </p:spPr>
+      </p:pic>
+      <p:sp>
+        <p:nvSpPr>
+          <p:cNvPr id="9" name="TextBox 8">
+            <a:extLst>
+              <a:ext uri="{FF2B5EF4-FFF2-40B4-BE49-F238E27FC236}">
+                <a16:creationId xmlns:a16="http://schemas.microsoft.com/office/drawing/2014/main" id="{E7EE4299-E0DB-483E-AAA0-AD3280EE4A08}"/>
+              </a:ext>
+            </a:extLst>
+          </p:cNvPr>
+          <p:cNvSpPr txBox="1"/>
+          <p:nvPr/>
+        </p:nvSpPr>
+        <p:spPr>
+          <a:xfrm>
+            <a:off x="5619565" y="3094621"/>
+            <a:ext cx="4643022" cy="369332"/>
+          </a:xfrm>
+          <a:prstGeom prst="rect">
+            <a:avLst/>
+          </a:prstGeom>
+          <a:noFill/>
+        </p:spPr>
+        <p:txBody>
+          <a:bodyPr wrap="square" rtlCol="0">
+            <a:spAutoFit/>
+          </a:bodyPr>
+          <a:lstStyle/>
+          <a:p>
+            <a:r>
+              <a:rPr lang="en-US"/>
+              <a:t>Mua 5 phút tr</a:t>
+            </a:r>
+            <a:r>
+              <a:rPr lang="vi-VN"/>
+              <a:t>ư</a:t>
+            </a:r>
+            <a:r>
+              <a:rPr lang="en-US"/>
+              <a:t>ớc hay bao nhiêu phút tr</a:t>
+            </a:r>
+            <a:r>
+              <a:rPr lang="vi-VN"/>
+              <a:t>ư</a:t>
+            </a:r>
+            <a:r>
+              <a:rPr lang="en-US"/>
+              <a:t>ớc</a:t>
+            </a:r>
+          </a:p>
+        </p:txBody>
+      </p:sp>
+      <p:pic>
+        <p:nvPicPr>
+          <p:cNvPr id="10" name="Picture 9">
+            <a:extLst>
+              <a:ext uri="{FF2B5EF4-FFF2-40B4-BE49-F238E27FC236}">
+                <a16:creationId xmlns:a16="http://schemas.microsoft.com/office/drawing/2014/main" id="{C158B0E8-03F9-4A40-B926-6389825B4F65}"/>
+              </a:ext>
+            </a:extLst>
+          </p:cNvPr>
+          <p:cNvPicPr>
+            <a:picLocks noChangeAspect="1"/>
+          </p:cNvPicPr>
+          <p:nvPr/>
+        </p:nvPicPr>
+        <p:blipFill>
+          <a:blip r:embed="rId5"/>
+          <a:stretch>
+            <a:fillRect/>
+          </a:stretch>
+        </p:blipFill>
+        <p:spPr>
+          <a:xfrm>
+            <a:off x="701327" y="4612159"/>
+            <a:ext cx="2638793" cy="971686"/>
+          </a:xfrm>
+          <a:prstGeom prst="rect">
+            <a:avLst/>
+          </a:prstGeom>
+        </p:spPr>
+      </p:pic>
+      <p:cxnSp>
+        <p:nvCxnSpPr>
+          <p:cNvPr id="12" name="Straight Arrow Connector 11">
+            <a:extLst>
+              <a:ext uri="{FF2B5EF4-FFF2-40B4-BE49-F238E27FC236}">
+                <a16:creationId xmlns:a16="http://schemas.microsoft.com/office/drawing/2014/main" id="{15F4B11B-8224-4540-8DF3-15C797CB616C}"/>
+              </a:ext>
+            </a:extLst>
+          </p:cNvPr>
+          <p:cNvCxnSpPr/>
+          <p:nvPr/>
+        </p:nvCxnSpPr>
+        <p:spPr>
+          <a:xfrm flipV="1">
+            <a:off x="3009530" y="4927107"/>
+            <a:ext cx="2752078" cy="497149"/>
+          </a:xfrm>
+          <a:prstGeom prst="straightConnector1">
+            <a:avLst/>
+          </a:prstGeom>
+          <a:ln>
+            <a:tailEnd type="triangle"/>
+          </a:ln>
+        </p:spPr>
+        <p:style>
+          <a:lnRef idx="1">
+            <a:schemeClr val="dk1"/>
+          </a:lnRef>
+          <a:fillRef idx="0">
+            <a:schemeClr val="dk1"/>
+          </a:fillRef>
+          <a:effectRef idx="0">
+            <a:schemeClr val="dk1"/>
+          </a:effectRef>
+          <a:fontRef idx="minor">
+            <a:schemeClr val="tx1"/>
+          </a:fontRef>
+        </p:style>
+      </p:cxnSp>
+      <p:sp>
+        <p:nvSpPr>
+          <p:cNvPr id="13" name="TextBox 12">
+            <a:extLst>
+              <a:ext uri="{FF2B5EF4-FFF2-40B4-BE49-F238E27FC236}">
+                <a16:creationId xmlns:a16="http://schemas.microsoft.com/office/drawing/2014/main" id="{C9119E89-E30C-4C8F-A8FB-A159E31231C2}"/>
+              </a:ext>
+            </a:extLst>
+          </p:cNvPr>
+          <p:cNvSpPr txBox="1"/>
+          <p:nvPr/>
+        </p:nvSpPr>
+        <p:spPr>
+          <a:xfrm>
+            <a:off x="5797118" y="4612159"/>
+            <a:ext cx="5992428" cy="369332"/>
+          </a:xfrm>
+          <a:prstGeom prst="rect">
+            <a:avLst/>
+          </a:prstGeom>
+          <a:noFill/>
+        </p:spPr>
+        <p:txBody>
+          <a:bodyPr wrap="square" rtlCol="0">
+            <a:spAutoFit/>
+          </a:bodyPr>
+          <a:lstStyle/>
+          <a:p>
+            <a:r>
+              <a:rPr lang="en-US"/>
+              <a:t>Chỉnh lại phần Text hiển thị thông báo.</a:t>
+            </a:r>
+          </a:p>
+        </p:txBody>
+      </p:sp>
+      <p:pic>
+        <p:nvPicPr>
+          <p:cNvPr id="14" name="Picture 13">
+            <a:extLst>
+              <a:ext uri="{FF2B5EF4-FFF2-40B4-BE49-F238E27FC236}">
+                <a16:creationId xmlns:a16="http://schemas.microsoft.com/office/drawing/2014/main" id="{20CAD2EC-D904-42AD-A7D7-13A23EACB007}"/>
+              </a:ext>
+            </a:extLst>
+          </p:cNvPr>
+          <p:cNvPicPr>
+            <a:picLocks noChangeAspect="1"/>
+          </p:cNvPicPr>
+          <p:nvPr/>
+        </p:nvPicPr>
+        <p:blipFill>
+          <a:blip r:embed="rId6"/>
+          <a:stretch>
+            <a:fillRect/>
+          </a:stretch>
+        </p:blipFill>
+        <p:spPr>
+          <a:xfrm>
+            <a:off x="701327" y="5896435"/>
+            <a:ext cx="8192643" cy="800212"/>
+          </a:xfrm>
+          <a:prstGeom prst="rect">
+            <a:avLst/>
+          </a:prstGeom>
+        </p:spPr>
+      </p:pic>
+      <p:cxnSp>
+        <p:nvCxnSpPr>
+          <p:cNvPr id="16" name="Straight Arrow Connector 15">
+            <a:extLst>
+              <a:ext uri="{FF2B5EF4-FFF2-40B4-BE49-F238E27FC236}">
+                <a16:creationId xmlns:a16="http://schemas.microsoft.com/office/drawing/2014/main" id="{06CF3EE1-EC98-4537-9EF5-8A18101A5BDE}"/>
+              </a:ext>
+            </a:extLst>
+          </p:cNvPr>
+          <p:cNvCxnSpPr>
+            <a:cxnSpLocks/>
+          </p:cNvCxnSpPr>
+          <p:nvPr/>
+        </p:nvCxnSpPr>
+        <p:spPr>
+          <a:xfrm flipV="1">
+            <a:off x="6862439" y="5646198"/>
+            <a:ext cx="923278" cy="568172"/>
+          </a:xfrm>
+          <a:prstGeom prst="straightConnector1">
+            <a:avLst/>
+          </a:prstGeom>
+          <a:ln>
+            <a:tailEnd type="triangle"/>
+          </a:ln>
+        </p:spPr>
+        <p:style>
+          <a:lnRef idx="1">
+            <a:schemeClr val="dk1"/>
+          </a:lnRef>
+          <a:fillRef idx="0">
+            <a:schemeClr val="dk1"/>
+          </a:fillRef>
+          <a:effectRef idx="0">
+            <a:schemeClr val="dk1"/>
+          </a:effectRef>
+          <a:fontRef idx="minor">
+            <a:schemeClr val="tx1"/>
+          </a:fontRef>
+        </p:style>
+      </p:cxnSp>
+      <p:sp>
+        <p:nvSpPr>
+          <p:cNvPr id="19" name="TextBox 18">
+            <a:extLst>
+              <a:ext uri="{FF2B5EF4-FFF2-40B4-BE49-F238E27FC236}">
+                <a16:creationId xmlns:a16="http://schemas.microsoft.com/office/drawing/2014/main" id="{4C62A5C9-5DE1-4AD8-926D-DF7DE5FAE9A0}"/>
+              </a:ext>
+            </a:extLst>
+          </p:cNvPr>
+          <p:cNvSpPr txBox="1"/>
+          <p:nvPr/>
+        </p:nvSpPr>
+        <p:spPr>
+          <a:xfrm>
+            <a:off x="7852299" y="5453670"/>
+            <a:ext cx="3848470" cy="369332"/>
+          </a:xfrm>
+          <a:prstGeom prst="rect">
+            <a:avLst/>
+          </a:prstGeom>
+          <a:noFill/>
+        </p:spPr>
+        <p:txBody>
+          <a:bodyPr wrap="square" rtlCol="0">
+            <a:spAutoFit/>
+          </a:bodyPr>
+          <a:lstStyle/>
+          <a:p>
+            <a:r>
+              <a:rPr lang="en-US"/>
+              <a:t>Sao chép địa chỉ sản phẩm dán vào.</a:t>
+            </a:r>
           </a:p>
         </p:txBody>
       </p:sp>
@@ -4208,6 +6266,104 @@
     <p:extLst>
       <p:ext uri="{BB962C8B-B14F-4D97-AF65-F5344CB8AC3E}">
         <p14:creationId xmlns:p14="http://schemas.microsoft.com/office/powerpoint/2010/main" val="3706567727"/>
+      </p:ext>
+    </p:extLst>
+  </p:cSld>
+  <p:clrMapOvr>
+    <a:masterClrMapping/>
+  </p:clrMapOvr>
+</p:sld>
+</file>
+
+<file path=ppt/slides/slide9.xml><?xml version="1.0" encoding="utf-8"?>
+<p:sld xmlns:a="http://schemas.openxmlformats.org/drawingml/2006/main" xmlns:r="http://schemas.openxmlformats.org/officeDocument/2006/relationships" xmlns:p="http://schemas.openxmlformats.org/presentationml/2006/main">
+  <p:cSld>
+    <p:spTree>
+      <p:nvGrpSpPr>
+        <p:cNvPr id="1" name=""/>
+        <p:cNvGrpSpPr/>
+        <p:nvPr/>
+      </p:nvGrpSpPr>
+      <p:grpSpPr>
+        <a:xfrm>
+          <a:off x="0" y="0"/>
+          <a:ext cx="0" cy="0"/>
+          <a:chOff x="0" y="0"/>
+          <a:chExt cx="0" cy="0"/>
+        </a:xfrm>
+      </p:grpSpPr>
+      <p:sp>
+        <p:nvSpPr>
+          <p:cNvPr id="2" name="Title 1">
+            <a:extLst>
+              <a:ext uri="{FF2B5EF4-FFF2-40B4-BE49-F238E27FC236}">
+                <a16:creationId xmlns:a16="http://schemas.microsoft.com/office/drawing/2014/main" id="{1AA6DACC-3CA6-428C-936F-C70EF5A7AC75}"/>
+              </a:ext>
+            </a:extLst>
+          </p:cNvPr>
+          <p:cNvSpPr>
+            <a:spLocks noGrp="1"/>
+          </p:cNvSpPr>
+          <p:nvPr>
+            <p:ph type="title"/>
+          </p:nvPr>
+        </p:nvSpPr>
+        <p:spPr>
+          <a:xfrm>
+            <a:off x="0" y="103988"/>
+            <a:ext cx="7554897" cy="577049"/>
+          </a:xfrm>
+        </p:spPr>
+        <p:txBody>
+          <a:bodyPr>
+            <a:normAutofit fontScale="90000"/>
+          </a:bodyPr>
+          <a:lstStyle/>
+          <a:p>
+            <a:r>
+              <a:rPr lang="en-US"/>
+              <a:t>Thông báo đ</a:t>
+            </a:r>
+            <a:r>
+              <a:rPr lang="vi-VN"/>
+              <a:t>ơ</a:t>
+            </a:r>
+            <a:r>
+              <a:rPr lang="en-US"/>
+              <a:t>n hàng qua Mail</a:t>
+            </a:r>
+          </a:p>
+        </p:txBody>
+      </p:sp>
+      <p:sp>
+        <p:nvSpPr>
+          <p:cNvPr id="3" name="Content Placeholder 2">
+            <a:extLst>
+              <a:ext uri="{FF2B5EF4-FFF2-40B4-BE49-F238E27FC236}">
+                <a16:creationId xmlns:a16="http://schemas.microsoft.com/office/drawing/2014/main" id="{25F6DEB7-44AF-4835-A20B-3C22107B39F1}"/>
+              </a:ext>
+            </a:extLst>
+          </p:cNvPr>
+          <p:cNvSpPr>
+            <a:spLocks noGrp="1"/>
+          </p:cNvSpPr>
+          <p:nvPr>
+            <p:ph idx="1"/>
+          </p:nvPr>
+        </p:nvSpPr>
+        <p:spPr/>
+        <p:txBody>
+          <a:bodyPr/>
+          <a:lstStyle/>
+          <a:p>
+            <a:endParaRPr lang="en-US"/>
+          </a:p>
+        </p:txBody>
+      </p:sp>
+    </p:spTree>
+    <p:extLst>
+      <p:ext uri="{BB962C8B-B14F-4D97-AF65-F5344CB8AC3E}">
+        <p14:creationId xmlns:p14="http://schemas.microsoft.com/office/powerpoint/2010/main" val="2821441556"/>
       </p:ext>
     </p:extLst>
   </p:cSld>
